--- a/Presentation.pptx
+++ b/Presentation.pptx
@@ -5,10 +5,10 @@
     <p:sldMasterId id="2147483682" r:id="rId1"/>
   </p:sldMasterIdLst>
   <p:notesMasterIdLst>
-    <p:notesMasterId r:id="rId11"/>
+    <p:notesMasterId r:id="rId13"/>
   </p:notesMasterIdLst>
   <p:handoutMasterIdLst>
-    <p:handoutMasterId r:id="rId12"/>
+    <p:handoutMasterId r:id="rId14"/>
   </p:handoutMasterIdLst>
   <p:sldIdLst>
     <p:sldId id="258" r:id="rId2"/>
@@ -20,6 +20,8 @@
     <p:sldId id="264" r:id="rId8"/>
     <p:sldId id="265" r:id="rId9"/>
     <p:sldId id="266" r:id="rId10"/>
+    <p:sldId id="267" r:id="rId11"/>
+    <p:sldId id="268" r:id="rId12"/>
   </p:sldIdLst>
   <p:sldSz cx="9144000" cy="6858000" type="screen4x3"/>
   <p:notesSz cx="6858000" cy="9144000"/>
@@ -234,7 +236,7 @@
             <a:fld id="{7FF124E7-E08C-4A1F-B4FC-72D6609097A9}" type="datetimeFigureOut">
               <a:rPr lang="en-US" smtClean="0"/>
               <a:pPr/>
-              <a:t>5/5/2014</a:t>
+              <a:t>5/6/2014</a:t>
             </a:fld>
             <a:endParaRPr lang="en-US"/>
           </a:p>
@@ -401,7 +403,7 @@
             <a:fld id="{C754077B-E038-4881-9183-8AE27FD3E7C1}" type="datetimeFigureOut">
               <a:rPr lang="en-US" smtClean="0"/>
               <a:pPr/>
-              <a:t>5/5/2014</a:t>
+              <a:t>5/6/2014</a:t>
             </a:fld>
             <a:endParaRPr lang="en-US"/>
           </a:p>
@@ -791,7 +793,7 @@
           <a:p>
             <a:fld id="{BF7D7031-45D4-4926-932E-6F44239CD5BE}" type="datetime1">
               <a:rPr lang="sv-SE" smtClean="0"/>
-              <a:t>2014-05-05</a:t>
+              <a:t>2014-05-06</a:t>
             </a:fld>
             <a:endParaRPr lang="en-US"/>
           </a:p>
@@ -1020,7 +1022,7 @@
           <a:p>
             <a:fld id="{E1107469-0E63-45AD-82AB-6878B61403D7}" type="datetime1">
               <a:rPr lang="sv-SE" smtClean="0"/>
-              <a:t>2014-05-05</a:t>
+              <a:t>2014-05-06</a:t>
             </a:fld>
             <a:endParaRPr lang="en-US"/>
           </a:p>
@@ -1860,7 +1862,7 @@
           <a:p>
             <a:fld id="{0138D373-B218-4ABB-A23B-B4E288587143}" type="datetime1">
               <a:rPr lang="sv-SE" smtClean="0"/>
-              <a:t>2014-05-05</a:t>
+              <a:t>2014-05-06</a:t>
             </a:fld>
             <a:endParaRPr lang="en-US"/>
           </a:p>
@@ -2037,7 +2039,7 @@
           <a:p>
             <a:fld id="{6304F3B4-786D-4A21-8A4B-CB2908F0DF2A}" type="datetime1">
               <a:rPr lang="sv-SE" smtClean="0"/>
-              <a:t>2014-05-05</a:t>
+              <a:t>2014-05-06</a:t>
             </a:fld>
             <a:endParaRPr lang="en-US"/>
           </a:p>
@@ -2319,7 +2321,7 @@
           <a:p>
             <a:fld id="{96701F8D-F9AE-40A4-9E3F-8179E4F6EB7F}" type="datetime1">
               <a:rPr lang="sv-SE" smtClean="0"/>
-              <a:t>2014-05-05</a:t>
+              <a:t>2014-05-06</a:t>
             </a:fld>
             <a:endParaRPr lang="en-US"/>
           </a:p>
@@ -2470,7 +2472,7 @@
           <a:p>
             <a:fld id="{B6EDA5A2-2229-4195-B779-AC8887551CA9}" type="datetime1">
               <a:rPr lang="sv-SE" smtClean="0"/>
-              <a:t>2014-05-05</a:t>
+              <a:t>2014-05-06</a:t>
             </a:fld>
             <a:endParaRPr lang="en-US"/>
           </a:p>
@@ -2666,7 +2668,7 @@
           <a:p>
             <a:fld id="{7B78EC91-18F0-438E-82D6-612BE058332E}" type="datetime1">
               <a:rPr lang="sv-SE" smtClean="0"/>
-              <a:t>2014-05-05</a:t>
+              <a:t>2014-05-06</a:t>
             </a:fld>
             <a:endParaRPr lang="en-US"/>
           </a:p>
@@ -3105,7 +3107,7 @@
           <a:p>
             <a:fld id="{C7FE8BB7-FDC7-44CE-A088-E22F788EE23C}" type="datetime1">
               <a:rPr lang="sv-SE" smtClean="0"/>
-              <a:t>2014-05-05</a:t>
+              <a:t>2014-05-06</a:t>
             </a:fld>
             <a:endParaRPr lang="en-US"/>
           </a:p>
@@ -3189,7 +3191,7 @@
           <a:p>
             <a:fld id="{EB6EE6DF-F95C-4D95-BC06-A14C6431D141}" type="datetime1">
               <a:rPr lang="sv-SE" smtClean="0"/>
-              <a:t>2014-05-05</a:t>
+              <a:t>2014-05-06</a:t>
             </a:fld>
             <a:endParaRPr lang="en-US"/>
           </a:p>
@@ -3566,7 +3568,7 @@
           <a:p>
             <a:fld id="{3712D359-8E67-4AAC-A073-790C6B99EA2E}" type="datetime1">
               <a:rPr lang="sv-SE" smtClean="0"/>
-              <a:t>2014-05-05</a:t>
+              <a:t>2014-05-06</a:t>
             </a:fld>
             <a:endParaRPr lang="en-US"/>
           </a:p>
@@ -3993,6 +3995,318 @@
     <p:extLst>
       <p:ext uri="{BB962C8B-B14F-4D97-AF65-F5344CB8AC3E}">
         <p14:creationId xmlns:p14="http://schemas.microsoft.com/office/powerpoint/2010/main" val="3072099375"/>
+      </p:ext>
+    </p:extLst>
+  </p:cSld>
+  <p:clrMapOvr>
+    <a:masterClrMapping/>
+  </p:clrMapOvr>
+  <p:timing>
+    <p:tnLst>
+      <p:par>
+        <p:cTn id="1" dur="indefinite" restart="never" nodeType="tmRoot"/>
+      </p:par>
+    </p:tnLst>
+  </p:timing>
+</p:sld>
+</file>
+
+<file path=ppt/slides/slide10.xml><?xml version="1.0" encoding="utf-8"?>
+<p:sld xmlns:a="http://schemas.openxmlformats.org/drawingml/2006/main" xmlns:r="http://schemas.openxmlformats.org/officeDocument/2006/relationships" xmlns:p="http://schemas.openxmlformats.org/presentationml/2006/main">
+  <p:cSld>
+    <p:spTree>
+      <p:nvGrpSpPr>
+        <p:cNvPr id="1" name=""/>
+        <p:cNvGrpSpPr/>
+        <p:nvPr/>
+      </p:nvGrpSpPr>
+      <p:grpSpPr>
+        <a:xfrm>
+          <a:off x="0" y="0"/>
+          <a:ext cx="0" cy="0"/>
+          <a:chOff x="0" y="0"/>
+          <a:chExt cx="0" cy="0"/>
+        </a:xfrm>
+      </p:grpSpPr>
+      <p:sp>
+        <p:nvSpPr>
+          <p:cNvPr id="2" name="Title 1"/>
+          <p:cNvSpPr>
+            <a:spLocks noGrp="1"/>
+          </p:cNvSpPr>
+          <p:nvPr>
+            <p:ph type="title"/>
+          </p:nvPr>
+        </p:nvSpPr>
+        <p:spPr/>
+        <p:txBody>
+          <a:bodyPr/>
+          <a:lstStyle/>
+          <a:p>
+            <a:r>
+              <a:rPr lang="sv-SE" dirty="0" smtClean="0"/>
+              <a:t>Bonus </a:t>
+            </a:r>
+            <a:r>
+              <a:rPr lang="sv-SE" dirty="0" err="1" smtClean="0"/>
+              <a:t>lab</a:t>
+            </a:r>
+            <a:endParaRPr lang="sv-SE" dirty="0"/>
+          </a:p>
+        </p:txBody>
+      </p:sp>
+      <p:sp>
+        <p:nvSpPr>
+          <p:cNvPr id="3" name="TextBox 2"/>
+          <p:cNvSpPr txBox="1"/>
+          <p:nvPr/>
+        </p:nvSpPr>
+        <p:spPr>
+          <a:xfrm>
+            <a:off x="827584" y="1700808"/>
+            <a:ext cx="6562694" cy="3416320"/>
+          </a:xfrm>
+          <a:prstGeom prst="rect">
+            <a:avLst/>
+          </a:prstGeom>
+          <a:noFill/>
+        </p:spPr>
+        <p:txBody>
+          <a:bodyPr wrap="none" rtlCol="0">
+            <a:spAutoFit/>
+          </a:bodyPr>
+          <a:lstStyle/>
+          <a:p>
+            <a:pPr marL="342900" indent="-342900">
+              <a:buFont typeface="+mj-lt"/>
+              <a:buAutoNum type="arabicPeriod"/>
+            </a:pPr>
+            <a:r>
+              <a:rPr lang="en-GB" dirty="0" smtClean="0"/>
+              <a:t>Examine the different controls available and how they differ</a:t>
+            </a:r>
+          </a:p>
+          <a:p>
+            <a:pPr marL="742950" lvl="1" indent="-285750">
+              <a:buFont typeface="Arial" panose="020B0604020202020204" pitchFamily="34" charset="0"/>
+              <a:buChar char="•"/>
+            </a:pPr>
+            <a:r>
+              <a:rPr lang="en-GB" dirty="0" smtClean="0"/>
+              <a:t>Hub control</a:t>
+            </a:r>
+          </a:p>
+          <a:p>
+            <a:pPr marL="742950" lvl="1" indent="-285750">
+              <a:buFont typeface="Arial" panose="020B0604020202020204" pitchFamily="34" charset="0"/>
+              <a:buChar char="•"/>
+            </a:pPr>
+            <a:r>
+              <a:rPr lang="en-GB" dirty="0" err="1" smtClean="0"/>
+              <a:t>AppBar</a:t>
+            </a:r>
+            <a:endParaRPr lang="en-GB" dirty="0" smtClean="0"/>
+          </a:p>
+          <a:p>
+            <a:pPr marL="742950" lvl="1" indent="-285750">
+              <a:buFont typeface="Arial" panose="020B0604020202020204" pitchFamily="34" charset="0"/>
+              <a:buChar char="•"/>
+            </a:pPr>
+            <a:r>
+              <a:rPr lang="en-GB" dirty="0" err="1" smtClean="0"/>
+              <a:t>ListView</a:t>
+            </a:r>
+            <a:endParaRPr lang="en-GB" dirty="0" smtClean="0"/>
+          </a:p>
+          <a:p>
+            <a:pPr marL="742950" lvl="1" indent="-285750">
+              <a:buFont typeface="Arial" panose="020B0604020202020204" pitchFamily="34" charset="0"/>
+              <a:buChar char="•"/>
+            </a:pPr>
+            <a:r>
+              <a:rPr lang="en-GB" dirty="0" err="1" smtClean="0"/>
+              <a:t>Flyouts</a:t>
+            </a:r>
+            <a:endParaRPr lang="en-GB" dirty="0" smtClean="0"/>
+          </a:p>
+          <a:p>
+            <a:pPr marL="742950" lvl="1" indent="-285750">
+              <a:buFont typeface="Arial" panose="020B0604020202020204" pitchFamily="34" charset="0"/>
+              <a:buChar char="•"/>
+            </a:pPr>
+            <a:endParaRPr lang="en-GB" dirty="0"/>
+          </a:p>
+          <a:p>
+            <a:pPr marL="342900" indent="-342900">
+              <a:buFont typeface="+mj-lt"/>
+              <a:buAutoNum type="arabicPeriod"/>
+            </a:pPr>
+            <a:r>
+              <a:rPr lang="en-GB" dirty="0" smtClean="0"/>
+              <a:t>Examine the controls that are platform specific</a:t>
+            </a:r>
+          </a:p>
+          <a:p>
+            <a:pPr marL="742950" lvl="1" indent="-285750">
+              <a:buFont typeface="Arial" panose="020B0604020202020204" pitchFamily="34" charset="0"/>
+              <a:buChar char="•"/>
+            </a:pPr>
+            <a:r>
+              <a:rPr lang="en-GB" dirty="0" err="1" smtClean="0"/>
+              <a:t>SearchBox</a:t>
+            </a:r>
+            <a:r>
+              <a:rPr lang="en-GB" dirty="0" smtClean="0"/>
+              <a:t> (Win)</a:t>
+            </a:r>
+            <a:r>
+              <a:rPr lang="en-GB" dirty="0"/>
+              <a:t>	</a:t>
+            </a:r>
+            <a:endParaRPr lang="en-GB" dirty="0" smtClean="0"/>
+          </a:p>
+          <a:p>
+            <a:pPr marL="742950" lvl="1" indent="-285750">
+              <a:buFont typeface="Arial" panose="020B0604020202020204" pitchFamily="34" charset="0"/>
+              <a:buChar char="•"/>
+            </a:pPr>
+            <a:r>
+              <a:rPr lang="en-GB" dirty="0" err="1" smtClean="0"/>
+              <a:t>SettingsFlyout</a:t>
+            </a:r>
+            <a:r>
+              <a:rPr lang="en-GB" dirty="0" smtClean="0"/>
+              <a:t> (Win)	</a:t>
+            </a:r>
+          </a:p>
+          <a:p>
+            <a:pPr marL="742950" lvl="1" indent="-285750">
+              <a:buFont typeface="Arial" panose="020B0604020202020204" pitchFamily="34" charset="0"/>
+              <a:buChar char="•"/>
+            </a:pPr>
+            <a:r>
+              <a:rPr lang="en-GB" dirty="0" err="1" smtClean="0"/>
+              <a:t>AutoSuggestBox</a:t>
+            </a:r>
+            <a:r>
+              <a:rPr lang="en-GB" dirty="0" smtClean="0"/>
+              <a:t> (</a:t>
+            </a:r>
+            <a:r>
+              <a:rPr lang="en-GB" dirty="0" err="1" smtClean="0"/>
+              <a:t>Wp</a:t>
+            </a:r>
+            <a:r>
+              <a:rPr lang="en-GB" dirty="0" smtClean="0"/>
+              <a:t>)</a:t>
+            </a:r>
+          </a:p>
+          <a:p>
+            <a:pPr marL="742950" lvl="1" indent="-285750">
+              <a:buFont typeface="Arial" panose="020B0604020202020204" pitchFamily="34" charset="0"/>
+              <a:buChar char="•"/>
+            </a:pPr>
+            <a:r>
+              <a:rPr lang="en-GB" dirty="0" err="1" smtClean="0"/>
+              <a:t>ContentDialog</a:t>
+            </a:r>
+            <a:r>
+              <a:rPr lang="en-GB" dirty="0" smtClean="0"/>
+              <a:t> (</a:t>
+            </a:r>
+            <a:r>
+              <a:rPr lang="en-GB" dirty="0" err="1" smtClean="0"/>
+              <a:t>Wp</a:t>
+            </a:r>
+            <a:r>
+              <a:rPr lang="en-GB" dirty="0" smtClean="0"/>
+              <a:t>)</a:t>
+            </a:r>
+          </a:p>
+          <a:p>
+            <a:pPr marL="742950" lvl="1" indent="-285750">
+              <a:buFont typeface="Arial" panose="020B0604020202020204" pitchFamily="34" charset="0"/>
+              <a:buChar char="•"/>
+            </a:pPr>
+            <a:r>
+              <a:rPr lang="en-GB" dirty="0" smtClean="0"/>
+              <a:t>System Chrome (</a:t>
+            </a:r>
+            <a:r>
+              <a:rPr lang="en-GB" dirty="0" err="1" smtClean="0"/>
+              <a:t>Wp</a:t>
+            </a:r>
+            <a:r>
+              <a:rPr lang="en-GB" dirty="0" smtClean="0"/>
+              <a:t>)</a:t>
+            </a:r>
+          </a:p>
+        </p:txBody>
+      </p:sp>
+    </p:spTree>
+    <p:extLst>
+      <p:ext uri="{BB962C8B-B14F-4D97-AF65-F5344CB8AC3E}">
+        <p14:creationId xmlns:p14="http://schemas.microsoft.com/office/powerpoint/2010/main" val="2581608004"/>
+      </p:ext>
+    </p:extLst>
+  </p:cSld>
+  <p:clrMapOvr>
+    <a:masterClrMapping/>
+  </p:clrMapOvr>
+  <p:timing>
+    <p:tnLst>
+      <p:par>
+        <p:cTn id="1" dur="indefinite" restart="never" nodeType="tmRoot"/>
+      </p:par>
+    </p:tnLst>
+  </p:timing>
+</p:sld>
+</file>
+
+<file path=ppt/slides/slide11.xml><?xml version="1.0" encoding="utf-8"?>
+<p:sld xmlns:a="http://schemas.openxmlformats.org/drawingml/2006/main" xmlns:r="http://schemas.openxmlformats.org/officeDocument/2006/relationships" xmlns:p="http://schemas.openxmlformats.org/presentationml/2006/main">
+  <p:cSld>
+    <p:spTree>
+      <p:nvGrpSpPr>
+        <p:cNvPr id="1" name=""/>
+        <p:cNvGrpSpPr/>
+        <p:nvPr/>
+      </p:nvGrpSpPr>
+      <p:grpSpPr>
+        <a:xfrm>
+          <a:off x="0" y="0"/>
+          <a:ext cx="0" cy="0"/>
+          <a:chOff x="0" y="0"/>
+          <a:chExt cx="0" cy="0"/>
+        </a:xfrm>
+      </p:grpSpPr>
+      <p:sp>
+        <p:nvSpPr>
+          <p:cNvPr id="2" name="Title 1"/>
+          <p:cNvSpPr>
+            <a:spLocks noGrp="1"/>
+          </p:cNvSpPr>
+          <p:nvPr>
+            <p:ph type="title"/>
+          </p:nvPr>
+        </p:nvSpPr>
+        <p:spPr/>
+        <p:txBody>
+          <a:bodyPr/>
+          <a:lstStyle/>
+          <a:p>
+            <a:r>
+              <a:rPr lang="en-GB" dirty="0" smtClean="0"/>
+              <a:t>Discussion</a:t>
+            </a:r>
+            <a:endParaRPr lang="en-GB" dirty="0"/>
+          </a:p>
+        </p:txBody>
+      </p:sp>
+    </p:spTree>
+    <p:extLst>
+      <p:ext uri="{BB962C8B-B14F-4D97-AF65-F5344CB8AC3E}">
+        <p14:creationId xmlns:p14="http://schemas.microsoft.com/office/powerpoint/2010/main" val="219297246"/>
       </p:ext>
     </p:extLst>
   </p:cSld>

--- a/Presentation.pptx
+++ b/Presentation.pptx
@@ -5,10 +5,10 @@
     <p:sldMasterId id="2147483682" r:id="rId1"/>
   </p:sldMasterIdLst>
   <p:notesMasterIdLst>
-    <p:notesMasterId r:id="rId13"/>
+    <p:notesMasterId r:id="rId15"/>
   </p:notesMasterIdLst>
   <p:handoutMasterIdLst>
-    <p:handoutMasterId r:id="rId14"/>
+    <p:handoutMasterId r:id="rId16"/>
   </p:handoutMasterIdLst>
   <p:sldIdLst>
     <p:sldId id="258" r:id="rId2"/>
@@ -20,8 +20,10 @@
     <p:sldId id="264" r:id="rId8"/>
     <p:sldId id="265" r:id="rId9"/>
     <p:sldId id="266" r:id="rId10"/>
-    <p:sldId id="267" r:id="rId11"/>
-    <p:sldId id="268" r:id="rId12"/>
+    <p:sldId id="269" r:id="rId11"/>
+    <p:sldId id="270" r:id="rId12"/>
+    <p:sldId id="267" r:id="rId13"/>
+    <p:sldId id="268" r:id="rId14"/>
   </p:sldIdLst>
   <p:sldSz cx="9144000" cy="6858000" type="screen4x3"/>
   <p:notesSz cx="6858000" cy="9144000"/>
@@ -236,7 +238,7 @@
             <a:fld id="{7FF124E7-E08C-4A1F-B4FC-72D6609097A9}" type="datetimeFigureOut">
               <a:rPr lang="en-US" smtClean="0"/>
               <a:pPr/>
-              <a:t>5/6/2014</a:t>
+              <a:t>5/7/2014</a:t>
             </a:fld>
             <a:endParaRPr lang="en-US"/>
           </a:p>
@@ -403,7 +405,7 @@
             <a:fld id="{C754077B-E038-4881-9183-8AE27FD3E7C1}" type="datetimeFigureOut">
               <a:rPr lang="en-US" smtClean="0"/>
               <a:pPr/>
-              <a:t>5/6/2014</a:t>
+              <a:t>5/7/2014</a:t>
             </a:fld>
             <a:endParaRPr lang="en-US"/>
           </a:p>
@@ -793,7 +795,7 @@
           <a:p>
             <a:fld id="{BF7D7031-45D4-4926-932E-6F44239CD5BE}" type="datetime1">
               <a:rPr lang="sv-SE" smtClean="0"/>
-              <a:t>2014-05-06</a:t>
+              <a:t>2014-05-07</a:t>
             </a:fld>
             <a:endParaRPr lang="en-US"/>
           </a:p>
@@ -1022,7 +1024,7 @@
           <a:p>
             <a:fld id="{E1107469-0E63-45AD-82AB-6878B61403D7}" type="datetime1">
               <a:rPr lang="sv-SE" smtClean="0"/>
-              <a:t>2014-05-06</a:t>
+              <a:t>2014-05-07</a:t>
             </a:fld>
             <a:endParaRPr lang="en-US"/>
           </a:p>
@@ -1862,7 +1864,7 @@
           <a:p>
             <a:fld id="{0138D373-B218-4ABB-A23B-B4E288587143}" type="datetime1">
               <a:rPr lang="sv-SE" smtClean="0"/>
-              <a:t>2014-05-06</a:t>
+              <a:t>2014-05-07</a:t>
             </a:fld>
             <a:endParaRPr lang="en-US"/>
           </a:p>
@@ -2039,7 +2041,7 @@
           <a:p>
             <a:fld id="{6304F3B4-786D-4A21-8A4B-CB2908F0DF2A}" type="datetime1">
               <a:rPr lang="sv-SE" smtClean="0"/>
-              <a:t>2014-05-06</a:t>
+              <a:t>2014-05-07</a:t>
             </a:fld>
             <a:endParaRPr lang="en-US"/>
           </a:p>
@@ -2321,7 +2323,7 @@
           <a:p>
             <a:fld id="{96701F8D-F9AE-40A4-9E3F-8179E4F6EB7F}" type="datetime1">
               <a:rPr lang="sv-SE" smtClean="0"/>
-              <a:t>2014-05-06</a:t>
+              <a:t>2014-05-07</a:t>
             </a:fld>
             <a:endParaRPr lang="en-US"/>
           </a:p>
@@ -2472,7 +2474,7 @@
           <a:p>
             <a:fld id="{B6EDA5A2-2229-4195-B779-AC8887551CA9}" type="datetime1">
               <a:rPr lang="sv-SE" smtClean="0"/>
-              <a:t>2014-05-06</a:t>
+              <a:t>2014-05-07</a:t>
             </a:fld>
             <a:endParaRPr lang="en-US"/>
           </a:p>
@@ -2668,7 +2670,7 @@
           <a:p>
             <a:fld id="{7B78EC91-18F0-438E-82D6-612BE058332E}" type="datetime1">
               <a:rPr lang="sv-SE" smtClean="0"/>
-              <a:t>2014-05-06</a:t>
+              <a:t>2014-05-07</a:t>
             </a:fld>
             <a:endParaRPr lang="en-US"/>
           </a:p>
@@ -3107,7 +3109,7 @@
           <a:p>
             <a:fld id="{C7FE8BB7-FDC7-44CE-A088-E22F788EE23C}" type="datetime1">
               <a:rPr lang="sv-SE" smtClean="0"/>
-              <a:t>2014-05-06</a:t>
+              <a:t>2014-05-07</a:t>
             </a:fld>
             <a:endParaRPr lang="en-US"/>
           </a:p>
@@ -3191,7 +3193,7 @@
           <a:p>
             <a:fld id="{EB6EE6DF-F95C-4D95-BC06-A14C6431D141}" type="datetime1">
               <a:rPr lang="sv-SE" smtClean="0"/>
-              <a:t>2014-05-06</a:t>
+              <a:t>2014-05-07</a:t>
             </a:fld>
             <a:endParaRPr lang="en-US"/>
           </a:p>
@@ -3568,7 +3570,7 @@
           <a:p>
             <a:fld id="{3712D359-8E67-4AAC-A073-790C6B99EA2E}" type="datetime1">
               <a:rPr lang="sv-SE" smtClean="0"/>
-              <a:t>2014-05-06</a:t>
+              <a:t>2014-05-07</a:t>
             </a:fld>
             <a:endParaRPr lang="en-US"/>
           </a:p>
@@ -4001,6 +4003,14 @@
   <p:clrMapOvr>
     <a:masterClrMapping/>
   </p:clrMapOvr>
+  <mc:AlternateContent xmlns:mc="http://schemas.openxmlformats.org/markup-compatibility/2006">
+    <mc:Choice xmlns:p14="http://schemas.microsoft.com/office/powerpoint/2010/main" Requires="p14">
+      <p:transition p14:dur="0"/>
+    </mc:Choice>
+    <mc:Fallback>
+      <p:transition/>
+    </mc:Fallback>
+  </mc:AlternateContent>
   <p:timing>
     <p:tnLst>
       <p:par>
@@ -4040,16 +4050,22 @@
         </p:nvSpPr>
         <p:spPr/>
         <p:txBody>
-          <a:bodyPr/>
+          <a:bodyPr>
+            <a:normAutofit/>
+          </a:bodyPr>
           <a:lstStyle/>
           <a:p>
             <a:r>
-              <a:rPr lang="sv-SE" dirty="0" smtClean="0"/>
+              <a:rPr lang="sv-SE" smtClean="0"/>
               <a:t>Bonus </a:t>
             </a:r>
             <a:r>
-              <a:rPr lang="sv-SE" dirty="0" err="1" smtClean="0"/>
+              <a:rPr lang="en-GB" smtClean="0"/>
               <a:t>lab</a:t>
+            </a:r>
+            <a:r>
+              <a:rPr lang="sv-SE" smtClean="0"/>
+              <a:t> 1</a:t>
             </a:r>
             <a:endParaRPr lang="sv-SE" dirty="0"/>
           </a:p>
@@ -4063,8 +4079,8 @@
         </p:nvSpPr>
         <p:spPr>
           <a:xfrm>
-            <a:off x="827584" y="1700808"/>
-            <a:ext cx="6562694" cy="3416320"/>
+            <a:off x="683568" y="1772816"/>
+            <a:ext cx="4673074" cy="369332"/>
           </a:xfrm>
           <a:prstGeom prst="rect">
             <a:avLst/>
@@ -4077,182 +4093,27 @@
           </a:bodyPr>
           <a:lstStyle/>
           <a:p>
-            <a:pPr marL="342900" indent="-342900">
-              <a:buFont typeface="+mj-lt"/>
-              <a:buAutoNum type="arabicPeriod"/>
-            </a:pPr>
             <a:r>
               <a:rPr lang="en-GB" dirty="0" smtClean="0"/>
-              <a:t>Examine the different controls available and how they differ</a:t>
-            </a:r>
-          </a:p>
-          <a:p>
-            <a:pPr marL="742950" lvl="1" indent="-285750">
-              <a:buFont typeface="Arial" panose="020B0604020202020204" pitchFamily="34" charset="0"/>
-              <a:buChar char="•"/>
-            </a:pPr>
-            <a:r>
-              <a:rPr lang="en-GB" dirty="0" smtClean="0"/>
-              <a:t>Hub control</a:t>
-            </a:r>
-          </a:p>
-          <a:p>
-            <a:pPr marL="742950" lvl="1" indent="-285750">
-              <a:buFont typeface="Arial" panose="020B0604020202020204" pitchFamily="34" charset="0"/>
-              <a:buChar char="•"/>
-            </a:pPr>
-            <a:r>
-              <a:rPr lang="en-GB" dirty="0" err="1" smtClean="0"/>
-              <a:t>AppBar</a:t>
-            </a:r>
-            <a:endParaRPr lang="en-GB" dirty="0" smtClean="0"/>
-          </a:p>
-          <a:p>
-            <a:pPr marL="742950" lvl="1" indent="-285750">
-              <a:buFont typeface="Arial" panose="020B0604020202020204" pitchFamily="34" charset="0"/>
-              <a:buChar char="•"/>
-            </a:pPr>
-            <a:r>
-              <a:rPr lang="en-GB" dirty="0" err="1" smtClean="0"/>
-              <a:t>ListView</a:t>
-            </a:r>
-            <a:endParaRPr lang="en-GB" dirty="0" smtClean="0"/>
-          </a:p>
-          <a:p>
-            <a:pPr marL="742950" lvl="1" indent="-285750">
-              <a:buFont typeface="Arial" panose="020B0604020202020204" pitchFamily="34" charset="0"/>
-              <a:buChar char="•"/>
-            </a:pPr>
-            <a:r>
-              <a:rPr lang="en-GB" dirty="0" err="1" smtClean="0"/>
-              <a:t>Flyouts</a:t>
-            </a:r>
-            <a:endParaRPr lang="en-GB" dirty="0" smtClean="0"/>
-          </a:p>
-          <a:p>
-            <a:pPr marL="742950" lvl="1" indent="-285750">
-              <a:buFont typeface="Arial" panose="020B0604020202020204" pitchFamily="34" charset="0"/>
-              <a:buChar char="•"/>
-            </a:pPr>
+              <a:t>Examine how we test universal components</a:t>
+            </a:r>
             <a:endParaRPr lang="en-GB" dirty="0"/>
-          </a:p>
-          <a:p>
-            <a:pPr marL="342900" indent="-342900">
-              <a:buFont typeface="+mj-lt"/>
-              <a:buAutoNum type="arabicPeriod"/>
-            </a:pPr>
-            <a:r>
-              <a:rPr lang="en-GB" dirty="0" smtClean="0"/>
-              <a:t>Examine the controls that are platform specific</a:t>
-            </a:r>
-          </a:p>
-          <a:p>
-            <a:pPr marL="742950" lvl="1" indent="-285750">
-              <a:buFont typeface="Arial" panose="020B0604020202020204" pitchFamily="34" charset="0"/>
-              <a:buChar char="•"/>
-            </a:pPr>
-            <a:r>
-              <a:rPr lang="en-GB" dirty="0" err="1" smtClean="0"/>
-              <a:t>SearchBox</a:t>
-            </a:r>
-            <a:r>
-              <a:rPr lang="en-GB" dirty="0" smtClean="0"/>
-              <a:t> (Win)</a:t>
-            </a:r>
-            <a:r>
-              <a:rPr lang="en-GB" dirty="0"/>
-              <a:t>	</a:t>
-            </a:r>
-            <a:endParaRPr lang="en-GB" dirty="0" smtClean="0"/>
-          </a:p>
-          <a:p>
-            <a:pPr marL="742950" lvl="1" indent="-285750">
-              <a:buFont typeface="Arial" panose="020B0604020202020204" pitchFamily="34" charset="0"/>
-              <a:buChar char="•"/>
-            </a:pPr>
-            <a:r>
-              <a:rPr lang="en-GB" dirty="0" err="1" smtClean="0"/>
-              <a:t>SettingsFlyout</a:t>
-            </a:r>
-            <a:r>
-              <a:rPr lang="en-GB" dirty="0" smtClean="0"/>
-              <a:t> (Win)	</a:t>
-            </a:r>
-          </a:p>
-          <a:p>
-            <a:pPr marL="742950" lvl="1" indent="-285750">
-              <a:buFont typeface="Arial" panose="020B0604020202020204" pitchFamily="34" charset="0"/>
-              <a:buChar char="•"/>
-            </a:pPr>
-            <a:r>
-              <a:rPr lang="en-GB" dirty="0" err="1" smtClean="0"/>
-              <a:t>AutoSuggestBox</a:t>
-            </a:r>
-            <a:r>
-              <a:rPr lang="en-GB" dirty="0" smtClean="0"/>
-              <a:t> (</a:t>
-            </a:r>
-            <a:r>
-              <a:rPr lang="en-GB" dirty="0" err="1" smtClean="0"/>
-              <a:t>Wp</a:t>
-            </a:r>
-            <a:r>
-              <a:rPr lang="en-GB" dirty="0" smtClean="0"/>
-              <a:t>)</a:t>
-            </a:r>
-          </a:p>
-          <a:p>
-            <a:pPr marL="742950" lvl="1" indent="-285750">
-              <a:buFont typeface="Arial" panose="020B0604020202020204" pitchFamily="34" charset="0"/>
-              <a:buChar char="•"/>
-            </a:pPr>
-            <a:r>
-              <a:rPr lang="en-GB" dirty="0" err="1" smtClean="0"/>
-              <a:t>ContentDialog</a:t>
-            </a:r>
-            <a:r>
-              <a:rPr lang="en-GB" dirty="0" smtClean="0"/>
-              <a:t> (</a:t>
-            </a:r>
-            <a:r>
-              <a:rPr lang="en-GB" dirty="0" err="1" smtClean="0"/>
-              <a:t>Wp</a:t>
-            </a:r>
-            <a:r>
-              <a:rPr lang="en-GB" dirty="0" smtClean="0"/>
-              <a:t>)</a:t>
-            </a:r>
-          </a:p>
-          <a:p>
-            <a:pPr marL="742950" lvl="1" indent="-285750">
-              <a:buFont typeface="Arial" panose="020B0604020202020204" pitchFamily="34" charset="0"/>
-              <a:buChar char="•"/>
-            </a:pPr>
-            <a:r>
-              <a:rPr lang="en-GB" dirty="0" smtClean="0"/>
-              <a:t>System Chrome (</a:t>
-            </a:r>
-            <a:r>
-              <a:rPr lang="en-GB" dirty="0" err="1" smtClean="0"/>
-              <a:t>Wp</a:t>
-            </a:r>
-            <a:r>
-              <a:rPr lang="en-GB" dirty="0" smtClean="0"/>
-              <a:t>)</a:t>
-            </a:r>
           </a:p>
         </p:txBody>
       </p:sp>
     </p:spTree>
     <p:extLst>
       <p:ext uri="{BB962C8B-B14F-4D97-AF65-F5344CB8AC3E}">
-        <p14:creationId xmlns:p14="http://schemas.microsoft.com/office/powerpoint/2010/main" val="2581608004"/>
+        <p14:creationId xmlns:p14="http://schemas.microsoft.com/office/powerpoint/2010/main" val="2251849699"/>
       </p:ext>
     </p:extLst>
   </p:cSld>
   <p:clrMapOvr>
     <a:masterClrMapping/>
   </p:clrMapOvr>
+  <p:transition spd="med">
+    <p:pull/>
+  </p:transition>
   <p:timing>
     <p:tnLst>
       <p:par>
@@ -4306,6 +4167,328 @@
     </p:spTree>
     <p:extLst>
       <p:ext uri="{BB962C8B-B14F-4D97-AF65-F5344CB8AC3E}">
+        <p14:creationId xmlns:p14="http://schemas.microsoft.com/office/powerpoint/2010/main" val="3523391086"/>
+      </p:ext>
+    </p:extLst>
+  </p:cSld>
+  <p:clrMapOvr>
+    <a:masterClrMapping/>
+  </p:clrMapOvr>
+  <p:transition spd="med">
+    <p:pull/>
+  </p:transition>
+  <p:timing>
+    <p:tnLst>
+      <p:par>
+        <p:cTn id="1" dur="indefinite" restart="never" nodeType="tmRoot"/>
+      </p:par>
+    </p:tnLst>
+  </p:timing>
+</p:sld>
+</file>
+
+<file path=ppt/slides/slide12.xml><?xml version="1.0" encoding="utf-8"?>
+<p:sld xmlns:a="http://schemas.openxmlformats.org/drawingml/2006/main" xmlns:r="http://schemas.openxmlformats.org/officeDocument/2006/relationships" xmlns:p="http://schemas.openxmlformats.org/presentationml/2006/main">
+  <p:cSld>
+    <p:spTree>
+      <p:nvGrpSpPr>
+        <p:cNvPr id="1" name=""/>
+        <p:cNvGrpSpPr/>
+        <p:nvPr/>
+      </p:nvGrpSpPr>
+      <p:grpSpPr>
+        <a:xfrm>
+          <a:off x="0" y="0"/>
+          <a:ext cx="0" cy="0"/>
+          <a:chOff x="0" y="0"/>
+          <a:chExt cx="0" cy="0"/>
+        </a:xfrm>
+      </p:grpSpPr>
+      <p:sp>
+        <p:nvSpPr>
+          <p:cNvPr id="2" name="Title 1"/>
+          <p:cNvSpPr>
+            <a:spLocks noGrp="1"/>
+          </p:cNvSpPr>
+          <p:nvPr>
+            <p:ph type="title"/>
+          </p:nvPr>
+        </p:nvSpPr>
+        <p:spPr/>
+        <p:txBody>
+          <a:bodyPr/>
+          <a:lstStyle/>
+          <a:p>
+            <a:r>
+              <a:rPr lang="sv-SE" dirty="0" smtClean="0"/>
+              <a:t>Bonus </a:t>
+            </a:r>
+            <a:r>
+              <a:rPr lang="sv-SE" dirty="0" err="1" smtClean="0"/>
+              <a:t>lab</a:t>
+            </a:r>
+            <a:r>
+              <a:rPr lang="sv-SE" dirty="0" smtClean="0"/>
+              <a:t> 2</a:t>
+            </a:r>
+            <a:endParaRPr lang="sv-SE" dirty="0"/>
+          </a:p>
+        </p:txBody>
+      </p:sp>
+      <p:sp>
+        <p:nvSpPr>
+          <p:cNvPr id="3" name="TextBox 2"/>
+          <p:cNvSpPr txBox="1"/>
+          <p:nvPr/>
+        </p:nvSpPr>
+        <p:spPr>
+          <a:xfrm>
+            <a:off x="827584" y="1700808"/>
+            <a:ext cx="6562694" cy="3416320"/>
+          </a:xfrm>
+          <a:prstGeom prst="rect">
+            <a:avLst/>
+          </a:prstGeom>
+          <a:noFill/>
+        </p:spPr>
+        <p:txBody>
+          <a:bodyPr wrap="none" rtlCol="0">
+            <a:spAutoFit/>
+          </a:bodyPr>
+          <a:lstStyle/>
+          <a:p>
+            <a:pPr marL="342900" indent="-342900">
+              <a:buFont typeface="+mj-lt"/>
+              <a:buAutoNum type="arabicPeriod"/>
+            </a:pPr>
+            <a:r>
+              <a:rPr lang="en-GB" dirty="0" smtClean="0"/>
+              <a:t>Examine the different controls available and how they differ</a:t>
+            </a:r>
+          </a:p>
+          <a:p>
+            <a:pPr marL="742950" lvl="1" indent="-285750">
+              <a:buFont typeface="Arial" panose="020B0604020202020204" pitchFamily="34" charset="0"/>
+              <a:buChar char="•"/>
+            </a:pPr>
+            <a:r>
+              <a:rPr lang="en-GB" dirty="0" smtClean="0"/>
+              <a:t>Hub control</a:t>
+            </a:r>
+          </a:p>
+          <a:p>
+            <a:pPr marL="742950" lvl="1" indent="-285750">
+              <a:buFont typeface="Arial" panose="020B0604020202020204" pitchFamily="34" charset="0"/>
+              <a:buChar char="•"/>
+            </a:pPr>
+            <a:r>
+              <a:rPr lang="en-GB" dirty="0" err="1" smtClean="0"/>
+              <a:t>AppBar</a:t>
+            </a:r>
+            <a:endParaRPr lang="en-GB" dirty="0" smtClean="0"/>
+          </a:p>
+          <a:p>
+            <a:pPr marL="742950" lvl="1" indent="-285750">
+              <a:buFont typeface="Arial" panose="020B0604020202020204" pitchFamily="34" charset="0"/>
+              <a:buChar char="•"/>
+            </a:pPr>
+            <a:r>
+              <a:rPr lang="en-GB" dirty="0" err="1" smtClean="0"/>
+              <a:t>ListView</a:t>
+            </a:r>
+            <a:endParaRPr lang="en-GB" dirty="0" smtClean="0"/>
+          </a:p>
+          <a:p>
+            <a:pPr marL="742950" lvl="1" indent="-285750">
+              <a:buFont typeface="Arial" panose="020B0604020202020204" pitchFamily="34" charset="0"/>
+              <a:buChar char="•"/>
+            </a:pPr>
+            <a:r>
+              <a:rPr lang="en-GB" dirty="0" err="1" smtClean="0"/>
+              <a:t>Flyouts</a:t>
+            </a:r>
+            <a:endParaRPr lang="en-GB" dirty="0" smtClean="0"/>
+          </a:p>
+          <a:p>
+            <a:pPr marL="742950" lvl="1" indent="-285750">
+              <a:buFont typeface="Arial" panose="020B0604020202020204" pitchFamily="34" charset="0"/>
+              <a:buChar char="•"/>
+            </a:pPr>
+            <a:endParaRPr lang="en-GB" dirty="0"/>
+          </a:p>
+          <a:p>
+            <a:pPr marL="342900" indent="-342900">
+              <a:buFont typeface="+mj-lt"/>
+              <a:buAutoNum type="arabicPeriod"/>
+            </a:pPr>
+            <a:r>
+              <a:rPr lang="en-GB" dirty="0" smtClean="0"/>
+              <a:t>Examine the controls that are platform specific</a:t>
+            </a:r>
+          </a:p>
+          <a:p>
+            <a:pPr marL="742950" lvl="1" indent="-285750">
+              <a:buFont typeface="Arial" panose="020B0604020202020204" pitchFamily="34" charset="0"/>
+              <a:buChar char="•"/>
+            </a:pPr>
+            <a:r>
+              <a:rPr lang="en-GB" dirty="0" err="1" smtClean="0"/>
+              <a:t>SearchBox</a:t>
+            </a:r>
+            <a:r>
+              <a:rPr lang="en-GB" dirty="0" smtClean="0"/>
+              <a:t> (Win)</a:t>
+            </a:r>
+            <a:r>
+              <a:rPr lang="en-GB" dirty="0"/>
+              <a:t>	</a:t>
+            </a:r>
+            <a:endParaRPr lang="en-GB" dirty="0" smtClean="0"/>
+          </a:p>
+          <a:p>
+            <a:pPr marL="742950" lvl="1" indent="-285750">
+              <a:buFont typeface="Arial" panose="020B0604020202020204" pitchFamily="34" charset="0"/>
+              <a:buChar char="•"/>
+            </a:pPr>
+            <a:r>
+              <a:rPr lang="en-GB" dirty="0" err="1" smtClean="0"/>
+              <a:t>SettingsFlyout</a:t>
+            </a:r>
+            <a:r>
+              <a:rPr lang="en-GB" dirty="0" smtClean="0"/>
+              <a:t> (Win)	</a:t>
+            </a:r>
+          </a:p>
+          <a:p>
+            <a:pPr marL="742950" lvl="1" indent="-285750">
+              <a:buFont typeface="Arial" panose="020B0604020202020204" pitchFamily="34" charset="0"/>
+              <a:buChar char="•"/>
+            </a:pPr>
+            <a:r>
+              <a:rPr lang="en-GB" dirty="0" err="1" smtClean="0"/>
+              <a:t>AutoSuggestBox</a:t>
+            </a:r>
+            <a:r>
+              <a:rPr lang="en-GB" dirty="0" smtClean="0"/>
+              <a:t> (</a:t>
+            </a:r>
+            <a:r>
+              <a:rPr lang="en-GB" dirty="0" err="1" smtClean="0"/>
+              <a:t>Wp</a:t>
+            </a:r>
+            <a:r>
+              <a:rPr lang="en-GB" dirty="0" smtClean="0"/>
+              <a:t>)</a:t>
+            </a:r>
+          </a:p>
+          <a:p>
+            <a:pPr marL="742950" lvl="1" indent="-285750">
+              <a:buFont typeface="Arial" panose="020B0604020202020204" pitchFamily="34" charset="0"/>
+              <a:buChar char="•"/>
+            </a:pPr>
+            <a:r>
+              <a:rPr lang="en-GB" dirty="0" err="1" smtClean="0"/>
+              <a:t>ContentDialog</a:t>
+            </a:r>
+            <a:r>
+              <a:rPr lang="en-GB" dirty="0" smtClean="0"/>
+              <a:t> (</a:t>
+            </a:r>
+            <a:r>
+              <a:rPr lang="en-GB" dirty="0" err="1" smtClean="0"/>
+              <a:t>Wp</a:t>
+            </a:r>
+            <a:r>
+              <a:rPr lang="en-GB" dirty="0" smtClean="0"/>
+              <a:t>)</a:t>
+            </a:r>
+          </a:p>
+          <a:p>
+            <a:pPr marL="742950" lvl="1" indent="-285750">
+              <a:buFont typeface="Arial" panose="020B0604020202020204" pitchFamily="34" charset="0"/>
+              <a:buChar char="•"/>
+            </a:pPr>
+            <a:r>
+              <a:rPr lang="en-GB" dirty="0" smtClean="0"/>
+              <a:t>System Chrome (</a:t>
+            </a:r>
+            <a:r>
+              <a:rPr lang="en-GB" dirty="0" err="1" smtClean="0"/>
+              <a:t>Wp</a:t>
+            </a:r>
+            <a:r>
+              <a:rPr lang="en-GB" dirty="0" smtClean="0"/>
+              <a:t>)</a:t>
+            </a:r>
+          </a:p>
+        </p:txBody>
+      </p:sp>
+    </p:spTree>
+    <p:extLst>
+      <p:ext uri="{BB962C8B-B14F-4D97-AF65-F5344CB8AC3E}">
+        <p14:creationId xmlns:p14="http://schemas.microsoft.com/office/powerpoint/2010/main" val="2581608004"/>
+      </p:ext>
+    </p:extLst>
+  </p:cSld>
+  <p:clrMapOvr>
+    <a:masterClrMapping/>
+  </p:clrMapOvr>
+  <p:transition spd="med">
+    <p:pull/>
+  </p:transition>
+  <p:timing>
+    <p:tnLst>
+      <p:par>
+        <p:cTn id="1" dur="indefinite" restart="never" nodeType="tmRoot"/>
+      </p:par>
+    </p:tnLst>
+  </p:timing>
+</p:sld>
+</file>
+
+<file path=ppt/slides/slide13.xml><?xml version="1.0" encoding="utf-8"?>
+<p:sld xmlns:a="http://schemas.openxmlformats.org/drawingml/2006/main" xmlns:r="http://schemas.openxmlformats.org/officeDocument/2006/relationships" xmlns:p="http://schemas.openxmlformats.org/presentationml/2006/main">
+  <p:cSld>
+    <p:spTree>
+      <p:nvGrpSpPr>
+        <p:cNvPr id="1" name=""/>
+        <p:cNvGrpSpPr/>
+        <p:nvPr/>
+      </p:nvGrpSpPr>
+      <p:grpSpPr>
+        <a:xfrm>
+          <a:off x="0" y="0"/>
+          <a:ext cx="0" cy="0"/>
+          <a:chOff x="0" y="0"/>
+          <a:chExt cx="0" cy="0"/>
+        </a:xfrm>
+      </p:grpSpPr>
+      <p:sp>
+        <p:nvSpPr>
+          <p:cNvPr id="2" name="Title 1"/>
+          <p:cNvSpPr>
+            <a:spLocks noGrp="1"/>
+          </p:cNvSpPr>
+          <p:nvPr>
+            <p:ph type="title"/>
+          </p:nvPr>
+        </p:nvSpPr>
+        <p:spPr/>
+        <p:txBody>
+          <a:bodyPr/>
+          <a:lstStyle/>
+          <a:p>
+            <a:r>
+              <a:rPr lang="en-GB" dirty="0" smtClean="0"/>
+              <a:t>Discussion</a:t>
+            </a:r>
+            <a:endParaRPr lang="en-GB" dirty="0"/>
+          </a:p>
+        </p:txBody>
+      </p:sp>
+    </p:spTree>
+    <p:extLst>
+      <p:ext uri="{BB962C8B-B14F-4D97-AF65-F5344CB8AC3E}">
         <p14:creationId xmlns:p14="http://schemas.microsoft.com/office/powerpoint/2010/main" val="219297246"/>
       </p:ext>
     </p:extLst>
@@ -4313,6 +4496,9 @@
   <p:clrMapOvr>
     <a:masterClrMapping/>
   </p:clrMapOvr>
+  <p:transition spd="med">
+    <p:pull/>
+  </p:transition>
   <p:timing>
     <p:tnLst>
       <p:par>
@@ -4440,10 +4626,345 @@
   <p:clrMapOvr>
     <a:masterClrMapping/>
   </p:clrMapOvr>
+  <p:transition spd="med">
+    <p:pull/>
+  </p:transition>
   <p:timing>
     <p:tnLst>
       <p:par>
-        <p:cTn id="1" dur="indefinite" restart="never" nodeType="tmRoot"/>
+        <p:cTn id="1" dur="indefinite" restart="never" nodeType="tmRoot">
+          <p:childTnLst>
+            <p:seq concurrent="1" nextAc="seek">
+              <p:cTn id="2" dur="indefinite" nodeType="mainSeq">
+                <p:childTnLst>
+                  <p:par>
+                    <p:cTn id="3" fill="hold">
+                      <p:stCondLst>
+                        <p:cond delay="indefinite"/>
+                      </p:stCondLst>
+                      <p:childTnLst>
+                        <p:par>
+                          <p:cTn id="4" fill="hold">
+                            <p:stCondLst>
+                              <p:cond delay="0"/>
+                            </p:stCondLst>
+                            <p:childTnLst>
+                              <p:par>
+                                <p:cTn id="5" presetID="2" presetClass="entr" presetSubtype="4" fill="hold" nodeType="clickEffect">
+                                  <p:stCondLst>
+                                    <p:cond delay="0"/>
+                                  </p:stCondLst>
+                                  <p:childTnLst>
+                                    <p:set>
+                                      <p:cBhvr>
+                                        <p:cTn id="6" dur="1" fill="hold">
+                                          <p:stCondLst>
+                                            <p:cond delay="0"/>
+                                          </p:stCondLst>
+                                        </p:cTn>
+                                        <p:tgtEl>
+                                          <p:spTgt spid="3">
+                                            <p:txEl>
+                                              <p:pRg st="0" end="0"/>
+                                            </p:txEl>
+                                          </p:spTgt>
+                                        </p:tgtEl>
+                                        <p:attrNameLst>
+                                          <p:attrName>style.visibility</p:attrName>
+                                        </p:attrNameLst>
+                                      </p:cBhvr>
+                                      <p:to>
+                                        <p:strVal val="visible"/>
+                                      </p:to>
+                                    </p:set>
+                                    <p:anim calcmode="lin" valueType="num">
+                                      <p:cBhvr additive="base">
+                                        <p:cTn id="7" dur="500" fill="hold"/>
+                                        <p:tgtEl>
+                                          <p:spTgt spid="3">
+                                            <p:txEl>
+                                              <p:pRg st="0" end="0"/>
+                                            </p:txEl>
+                                          </p:spTgt>
+                                        </p:tgtEl>
+                                        <p:attrNameLst>
+                                          <p:attrName>ppt_x</p:attrName>
+                                        </p:attrNameLst>
+                                      </p:cBhvr>
+                                      <p:tavLst>
+                                        <p:tav tm="0">
+                                          <p:val>
+                                            <p:strVal val="#ppt_x"/>
+                                          </p:val>
+                                        </p:tav>
+                                        <p:tav tm="100000">
+                                          <p:val>
+                                            <p:strVal val="#ppt_x"/>
+                                          </p:val>
+                                        </p:tav>
+                                      </p:tavLst>
+                                    </p:anim>
+                                    <p:anim calcmode="lin" valueType="num">
+                                      <p:cBhvr additive="base">
+                                        <p:cTn id="8" dur="500" fill="hold"/>
+                                        <p:tgtEl>
+                                          <p:spTgt spid="3">
+                                            <p:txEl>
+                                              <p:pRg st="0" end="0"/>
+                                            </p:txEl>
+                                          </p:spTgt>
+                                        </p:tgtEl>
+                                        <p:attrNameLst>
+                                          <p:attrName>ppt_y</p:attrName>
+                                        </p:attrNameLst>
+                                      </p:cBhvr>
+                                      <p:tavLst>
+                                        <p:tav tm="0">
+                                          <p:val>
+                                            <p:strVal val="1+#ppt_h/2"/>
+                                          </p:val>
+                                        </p:tav>
+                                        <p:tav tm="100000">
+                                          <p:val>
+                                            <p:strVal val="#ppt_y"/>
+                                          </p:val>
+                                        </p:tav>
+                                      </p:tavLst>
+                                    </p:anim>
+                                  </p:childTnLst>
+                                </p:cTn>
+                              </p:par>
+                            </p:childTnLst>
+                          </p:cTn>
+                        </p:par>
+                      </p:childTnLst>
+                    </p:cTn>
+                  </p:par>
+                  <p:par>
+                    <p:cTn id="9" fill="hold">
+                      <p:stCondLst>
+                        <p:cond delay="indefinite"/>
+                      </p:stCondLst>
+                      <p:childTnLst>
+                        <p:par>
+                          <p:cTn id="10" fill="hold">
+                            <p:stCondLst>
+                              <p:cond delay="0"/>
+                            </p:stCondLst>
+                            <p:childTnLst>
+                              <p:par>
+                                <p:cTn id="11" presetID="2" presetClass="entr" presetSubtype="4" fill="hold" nodeType="clickEffect">
+                                  <p:stCondLst>
+                                    <p:cond delay="0"/>
+                                  </p:stCondLst>
+                                  <p:childTnLst>
+                                    <p:set>
+                                      <p:cBhvr>
+                                        <p:cTn id="12" dur="1" fill="hold">
+                                          <p:stCondLst>
+                                            <p:cond delay="0"/>
+                                          </p:stCondLst>
+                                        </p:cTn>
+                                        <p:tgtEl>
+                                          <p:spTgt spid="3">
+                                            <p:txEl>
+                                              <p:pRg st="1" end="1"/>
+                                            </p:txEl>
+                                          </p:spTgt>
+                                        </p:tgtEl>
+                                        <p:attrNameLst>
+                                          <p:attrName>style.visibility</p:attrName>
+                                        </p:attrNameLst>
+                                      </p:cBhvr>
+                                      <p:to>
+                                        <p:strVal val="visible"/>
+                                      </p:to>
+                                    </p:set>
+                                    <p:anim calcmode="lin" valueType="num">
+                                      <p:cBhvr additive="base">
+                                        <p:cTn id="13" dur="500" fill="hold"/>
+                                        <p:tgtEl>
+                                          <p:spTgt spid="3">
+                                            <p:txEl>
+                                              <p:pRg st="1" end="1"/>
+                                            </p:txEl>
+                                          </p:spTgt>
+                                        </p:tgtEl>
+                                        <p:attrNameLst>
+                                          <p:attrName>ppt_x</p:attrName>
+                                        </p:attrNameLst>
+                                      </p:cBhvr>
+                                      <p:tavLst>
+                                        <p:tav tm="0">
+                                          <p:val>
+                                            <p:strVal val="#ppt_x"/>
+                                          </p:val>
+                                        </p:tav>
+                                        <p:tav tm="100000">
+                                          <p:val>
+                                            <p:strVal val="#ppt_x"/>
+                                          </p:val>
+                                        </p:tav>
+                                      </p:tavLst>
+                                    </p:anim>
+                                    <p:anim calcmode="lin" valueType="num">
+                                      <p:cBhvr additive="base">
+                                        <p:cTn id="14" dur="500" fill="hold"/>
+                                        <p:tgtEl>
+                                          <p:spTgt spid="3">
+                                            <p:txEl>
+                                              <p:pRg st="1" end="1"/>
+                                            </p:txEl>
+                                          </p:spTgt>
+                                        </p:tgtEl>
+                                        <p:attrNameLst>
+                                          <p:attrName>ppt_y</p:attrName>
+                                        </p:attrNameLst>
+                                      </p:cBhvr>
+                                      <p:tavLst>
+                                        <p:tav tm="0">
+                                          <p:val>
+                                            <p:strVal val="1+#ppt_h/2"/>
+                                          </p:val>
+                                        </p:tav>
+                                        <p:tav tm="100000">
+                                          <p:val>
+                                            <p:strVal val="#ppt_y"/>
+                                          </p:val>
+                                        </p:tav>
+                                      </p:tavLst>
+                                    </p:anim>
+                                  </p:childTnLst>
+                                </p:cTn>
+                              </p:par>
+                            </p:childTnLst>
+                          </p:cTn>
+                        </p:par>
+                      </p:childTnLst>
+                    </p:cTn>
+                  </p:par>
+                  <p:par>
+                    <p:cTn id="15" fill="hold">
+                      <p:stCondLst>
+                        <p:cond delay="indefinite"/>
+                      </p:stCondLst>
+                      <p:childTnLst>
+                        <p:par>
+                          <p:cTn id="16" fill="hold">
+                            <p:stCondLst>
+                              <p:cond delay="0"/>
+                            </p:stCondLst>
+                            <p:childTnLst>
+                              <p:par>
+                                <p:cTn id="17" presetID="2" presetClass="entr" presetSubtype="4" fill="hold" nodeType="clickEffect">
+                                  <p:stCondLst>
+                                    <p:cond delay="0"/>
+                                  </p:stCondLst>
+                                  <p:childTnLst>
+                                    <p:set>
+                                      <p:cBhvr>
+                                        <p:cTn id="18" dur="1" fill="hold">
+                                          <p:stCondLst>
+                                            <p:cond delay="0"/>
+                                          </p:stCondLst>
+                                        </p:cTn>
+                                        <p:tgtEl>
+                                          <p:spTgt spid="3">
+                                            <p:txEl>
+                                              <p:pRg st="2" end="2"/>
+                                            </p:txEl>
+                                          </p:spTgt>
+                                        </p:tgtEl>
+                                        <p:attrNameLst>
+                                          <p:attrName>style.visibility</p:attrName>
+                                        </p:attrNameLst>
+                                      </p:cBhvr>
+                                      <p:to>
+                                        <p:strVal val="visible"/>
+                                      </p:to>
+                                    </p:set>
+                                    <p:anim calcmode="lin" valueType="num">
+                                      <p:cBhvr additive="base">
+                                        <p:cTn id="19" dur="500" fill="hold"/>
+                                        <p:tgtEl>
+                                          <p:spTgt spid="3">
+                                            <p:txEl>
+                                              <p:pRg st="2" end="2"/>
+                                            </p:txEl>
+                                          </p:spTgt>
+                                        </p:tgtEl>
+                                        <p:attrNameLst>
+                                          <p:attrName>ppt_x</p:attrName>
+                                        </p:attrNameLst>
+                                      </p:cBhvr>
+                                      <p:tavLst>
+                                        <p:tav tm="0">
+                                          <p:val>
+                                            <p:strVal val="#ppt_x"/>
+                                          </p:val>
+                                        </p:tav>
+                                        <p:tav tm="100000">
+                                          <p:val>
+                                            <p:strVal val="#ppt_x"/>
+                                          </p:val>
+                                        </p:tav>
+                                      </p:tavLst>
+                                    </p:anim>
+                                    <p:anim calcmode="lin" valueType="num">
+                                      <p:cBhvr additive="base">
+                                        <p:cTn id="20" dur="500" fill="hold"/>
+                                        <p:tgtEl>
+                                          <p:spTgt spid="3">
+                                            <p:txEl>
+                                              <p:pRg st="2" end="2"/>
+                                            </p:txEl>
+                                          </p:spTgt>
+                                        </p:tgtEl>
+                                        <p:attrNameLst>
+                                          <p:attrName>ppt_y</p:attrName>
+                                        </p:attrNameLst>
+                                      </p:cBhvr>
+                                      <p:tavLst>
+                                        <p:tav tm="0">
+                                          <p:val>
+                                            <p:strVal val="1+#ppt_h/2"/>
+                                          </p:val>
+                                        </p:tav>
+                                        <p:tav tm="100000">
+                                          <p:val>
+                                            <p:strVal val="#ppt_y"/>
+                                          </p:val>
+                                        </p:tav>
+                                      </p:tavLst>
+                                    </p:anim>
+                                  </p:childTnLst>
+                                </p:cTn>
+                              </p:par>
+                            </p:childTnLst>
+                          </p:cTn>
+                        </p:par>
+                      </p:childTnLst>
+                    </p:cTn>
+                  </p:par>
+                </p:childTnLst>
+              </p:cTn>
+              <p:prevCondLst>
+                <p:cond evt="onPrev" delay="0">
+                  <p:tgtEl>
+                    <p:sldTgt/>
+                  </p:tgtEl>
+                </p:cond>
+              </p:prevCondLst>
+              <p:nextCondLst>
+                <p:cond evt="onNext" delay="0">
+                  <p:tgtEl>
+                    <p:sldTgt/>
+                  </p:tgtEl>
+                </p:cond>
+              </p:nextCondLst>
+            </p:seq>
+          </p:childTnLst>
+        </p:cTn>
       </p:par>
     </p:tnLst>
   </p:timing>
@@ -4587,10 +5108,551 @@
   <p:clrMapOvr>
     <a:masterClrMapping/>
   </p:clrMapOvr>
+  <p:transition spd="med">
+    <p:pull/>
+  </p:transition>
   <p:timing>
     <p:tnLst>
       <p:par>
-        <p:cTn id="1" dur="indefinite" restart="never" nodeType="tmRoot"/>
+        <p:cTn id="1" dur="indefinite" restart="never" nodeType="tmRoot">
+          <p:childTnLst>
+            <p:seq concurrent="1" nextAc="seek">
+              <p:cTn id="2" dur="indefinite" nodeType="mainSeq">
+                <p:childTnLst>
+                  <p:par>
+                    <p:cTn id="3" fill="hold">
+                      <p:stCondLst>
+                        <p:cond delay="indefinite"/>
+                      </p:stCondLst>
+                      <p:childTnLst>
+                        <p:par>
+                          <p:cTn id="4" fill="hold">
+                            <p:stCondLst>
+                              <p:cond delay="0"/>
+                            </p:stCondLst>
+                            <p:childTnLst>
+                              <p:par>
+                                <p:cTn id="5" presetID="2" presetClass="entr" presetSubtype="4" fill="hold" nodeType="clickEffect">
+                                  <p:stCondLst>
+                                    <p:cond delay="0"/>
+                                  </p:stCondLst>
+                                  <p:childTnLst>
+                                    <p:set>
+                                      <p:cBhvr>
+                                        <p:cTn id="6" dur="1" fill="hold">
+                                          <p:stCondLst>
+                                            <p:cond delay="0"/>
+                                          </p:stCondLst>
+                                        </p:cTn>
+                                        <p:tgtEl>
+                                          <p:spTgt spid="3">
+                                            <p:txEl>
+                                              <p:pRg st="0" end="0"/>
+                                            </p:txEl>
+                                          </p:spTgt>
+                                        </p:tgtEl>
+                                        <p:attrNameLst>
+                                          <p:attrName>style.visibility</p:attrName>
+                                        </p:attrNameLst>
+                                      </p:cBhvr>
+                                      <p:to>
+                                        <p:strVal val="visible"/>
+                                      </p:to>
+                                    </p:set>
+                                    <p:anim calcmode="lin" valueType="num">
+                                      <p:cBhvr additive="base">
+                                        <p:cTn id="7" dur="500" fill="hold"/>
+                                        <p:tgtEl>
+                                          <p:spTgt spid="3">
+                                            <p:txEl>
+                                              <p:pRg st="0" end="0"/>
+                                            </p:txEl>
+                                          </p:spTgt>
+                                        </p:tgtEl>
+                                        <p:attrNameLst>
+                                          <p:attrName>ppt_x</p:attrName>
+                                        </p:attrNameLst>
+                                      </p:cBhvr>
+                                      <p:tavLst>
+                                        <p:tav tm="0">
+                                          <p:val>
+                                            <p:strVal val="#ppt_x"/>
+                                          </p:val>
+                                        </p:tav>
+                                        <p:tav tm="100000">
+                                          <p:val>
+                                            <p:strVal val="#ppt_x"/>
+                                          </p:val>
+                                        </p:tav>
+                                      </p:tavLst>
+                                    </p:anim>
+                                    <p:anim calcmode="lin" valueType="num">
+                                      <p:cBhvr additive="base">
+                                        <p:cTn id="8" dur="500" fill="hold"/>
+                                        <p:tgtEl>
+                                          <p:spTgt spid="3">
+                                            <p:txEl>
+                                              <p:pRg st="0" end="0"/>
+                                            </p:txEl>
+                                          </p:spTgt>
+                                        </p:tgtEl>
+                                        <p:attrNameLst>
+                                          <p:attrName>ppt_y</p:attrName>
+                                        </p:attrNameLst>
+                                      </p:cBhvr>
+                                      <p:tavLst>
+                                        <p:tav tm="0">
+                                          <p:val>
+                                            <p:strVal val="1+#ppt_h/2"/>
+                                          </p:val>
+                                        </p:tav>
+                                        <p:tav tm="100000">
+                                          <p:val>
+                                            <p:strVal val="#ppt_y"/>
+                                          </p:val>
+                                        </p:tav>
+                                      </p:tavLst>
+                                    </p:anim>
+                                  </p:childTnLst>
+                                </p:cTn>
+                              </p:par>
+                            </p:childTnLst>
+                          </p:cTn>
+                        </p:par>
+                      </p:childTnLst>
+                    </p:cTn>
+                  </p:par>
+                  <p:par>
+                    <p:cTn id="9" fill="hold">
+                      <p:stCondLst>
+                        <p:cond delay="indefinite"/>
+                      </p:stCondLst>
+                      <p:childTnLst>
+                        <p:par>
+                          <p:cTn id="10" fill="hold">
+                            <p:stCondLst>
+                              <p:cond delay="0"/>
+                            </p:stCondLst>
+                            <p:childTnLst>
+                              <p:par>
+                                <p:cTn id="11" presetID="2" presetClass="entr" presetSubtype="4" fill="hold" nodeType="clickEffect">
+                                  <p:stCondLst>
+                                    <p:cond delay="0"/>
+                                  </p:stCondLst>
+                                  <p:childTnLst>
+                                    <p:set>
+                                      <p:cBhvr>
+                                        <p:cTn id="12" dur="1" fill="hold">
+                                          <p:stCondLst>
+                                            <p:cond delay="0"/>
+                                          </p:stCondLst>
+                                        </p:cTn>
+                                        <p:tgtEl>
+                                          <p:spTgt spid="3">
+                                            <p:txEl>
+                                              <p:pRg st="1" end="1"/>
+                                            </p:txEl>
+                                          </p:spTgt>
+                                        </p:tgtEl>
+                                        <p:attrNameLst>
+                                          <p:attrName>style.visibility</p:attrName>
+                                        </p:attrNameLst>
+                                      </p:cBhvr>
+                                      <p:to>
+                                        <p:strVal val="visible"/>
+                                      </p:to>
+                                    </p:set>
+                                    <p:anim calcmode="lin" valueType="num">
+                                      <p:cBhvr additive="base">
+                                        <p:cTn id="13" dur="500" fill="hold"/>
+                                        <p:tgtEl>
+                                          <p:spTgt spid="3">
+                                            <p:txEl>
+                                              <p:pRg st="1" end="1"/>
+                                            </p:txEl>
+                                          </p:spTgt>
+                                        </p:tgtEl>
+                                        <p:attrNameLst>
+                                          <p:attrName>ppt_x</p:attrName>
+                                        </p:attrNameLst>
+                                      </p:cBhvr>
+                                      <p:tavLst>
+                                        <p:tav tm="0">
+                                          <p:val>
+                                            <p:strVal val="#ppt_x"/>
+                                          </p:val>
+                                        </p:tav>
+                                        <p:tav tm="100000">
+                                          <p:val>
+                                            <p:strVal val="#ppt_x"/>
+                                          </p:val>
+                                        </p:tav>
+                                      </p:tavLst>
+                                    </p:anim>
+                                    <p:anim calcmode="lin" valueType="num">
+                                      <p:cBhvr additive="base">
+                                        <p:cTn id="14" dur="500" fill="hold"/>
+                                        <p:tgtEl>
+                                          <p:spTgt spid="3">
+                                            <p:txEl>
+                                              <p:pRg st="1" end="1"/>
+                                            </p:txEl>
+                                          </p:spTgt>
+                                        </p:tgtEl>
+                                        <p:attrNameLst>
+                                          <p:attrName>ppt_y</p:attrName>
+                                        </p:attrNameLst>
+                                      </p:cBhvr>
+                                      <p:tavLst>
+                                        <p:tav tm="0">
+                                          <p:val>
+                                            <p:strVal val="1+#ppt_h/2"/>
+                                          </p:val>
+                                        </p:tav>
+                                        <p:tav tm="100000">
+                                          <p:val>
+                                            <p:strVal val="#ppt_y"/>
+                                          </p:val>
+                                        </p:tav>
+                                      </p:tavLst>
+                                    </p:anim>
+                                  </p:childTnLst>
+                                </p:cTn>
+                              </p:par>
+                            </p:childTnLst>
+                          </p:cTn>
+                        </p:par>
+                      </p:childTnLst>
+                    </p:cTn>
+                  </p:par>
+                  <p:par>
+                    <p:cTn id="15" fill="hold">
+                      <p:stCondLst>
+                        <p:cond delay="indefinite"/>
+                      </p:stCondLst>
+                      <p:childTnLst>
+                        <p:par>
+                          <p:cTn id="16" fill="hold">
+                            <p:stCondLst>
+                              <p:cond delay="0"/>
+                            </p:stCondLst>
+                            <p:childTnLst>
+                              <p:par>
+                                <p:cTn id="17" presetID="2" presetClass="entr" presetSubtype="4" fill="hold" nodeType="clickEffect">
+                                  <p:stCondLst>
+                                    <p:cond delay="0"/>
+                                  </p:stCondLst>
+                                  <p:childTnLst>
+                                    <p:set>
+                                      <p:cBhvr>
+                                        <p:cTn id="18" dur="1" fill="hold">
+                                          <p:stCondLst>
+                                            <p:cond delay="0"/>
+                                          </p:stCondLst>
+                                        </p:cTn>
+                                        <p:tgtEl>
+                                          <p:spTgt spid="3">
+                                            <p:txEl>
+                                              <p:pRg st="2" end="2"/>
+                                            </p:txEl>
+                                          </p:spTgt>
+                                        </p:tgtEl>
+                                        <p:attrNameLst>
+                                          <p:attrName>style.visibility</p:attrName>
+                                        </p:attrNameLst>
+                                      </p:cBhvr>
+                                      <p:to>
+                                        <p:strVal val="visible"/>
+                                      </p:to>
+                                    </p:set>
+                                    <p:anim calcmode="lin" valueType="num">
+                                      <p:cBhvr additive="base">
+                                        <p:cTn id="19" dur="500" fill="hold"/>
+                                        <p:tgtEl>
+                                          <p:spTgt spid="3">
+                                            <p:txEl>
+                                              <p:pRg st="2" end="2"/>
+                                            </p:txEl>
+                                          </p:spTgt>
+                                        </p:tgtEl>
+                                        <p:attrNameLst>
+                                          <p:attrName>ppt_x</p:attrName>
+                                        </p:attrNameLst>
+                                      </p:cBhvr>
+                                      <p:tavLst>
+                                        <p:tav tm="0">
+                                          <p:val>
+                                            <p:strVal val="#ppt_x"/>
+                                          </p:val>
+                                        </p:tav>
+                                        <p:tav tm="100000">
+                                          <p:val>
+                                            <p:strVal val="#ppt_x"/>
+                                          </p:val>
+                                        </p:tav>
+                                      </p:tavLst>
+                                    </p:anim>
+                                    <p:anim calcmode="lin" valueType="num">
+                                      <p:cBhvr additive="base">
+                                        <p:cTn id="20" dur="500" fill="hold"/>
+                                        <p:tgtEl>
+                                          <p:spTgt spid="3">
+                                            <p:txEl>
+                                              <p:pRg st="2" end="2"/>
+                                            </p:txEl>
+                                          </p:spTgt>
+                                        </p:tgtEl>
+                                        <p:attrNameLst>
+                                          <p:attrName>ppt_y</p:attrName>
+                                        </p:attrNameLst>
+                                      </p:cBhvr>
+                                      <p:tavLst>
+                                        <p:tav tm="0">
+                                          <p:val>
+                                            <p:strVal val="1+#ppt_h/2"/>
+                                          </p:val>
+                                        </p:tav>
+                                        <p:tav tm="100000">
+                                          <p:val>
+                                            <p:strVal val="#ppt_y"/>
+                                          </p:val>
+                                        </p:tav>
+                                      </p:tavLst>
+                                    </p:anim>
+                                  </p:childTnLst>
+                                </p:cTn>
+                              </p:par>
+                            </p:childTnLst>
+                          </p:cTn>
+                        </p:par>
+                      </p:childTnLst>
+                    </p:cTn>
+                  </p:par>
+                  <p:par>
+                    <p:cTn id="21" fill="hold">
+                      <p:stCondLst>
+                        <p:cond delay="indefinite"/>
+                      </p:stCondLst>
+                      <p:childTnLst>
+                        <p:par>
+                          <p:cTn id="22" fill="hold">
+                            <p:stCondLst>
+                              <p:cond delay="0"/>
+                            </p:stCondLst>
+                            <p:childTnLst>
+                              <p:par>
+                                <p:cTn id="23" presetID="2" presetClass="entr" presetSubtype="4" fill="hold" nodeType="clickEffect">
+                                  <p:stCondLst>
+                                    <p:cond delay="0"/>
+                                  </p:stCondLst>
+                                  <p:childTnLst>
+                                    <p:set>
+                                      <p:cBhvr>
+                                        <p:cTn id="24" dur="1" fill="hold">
+                                          <p:stCondLst>
+                                            <p:cond delay="0"/>
+                                          </p:stCondLst>
+                                        </p:cTn>
+                                        <p:tgtEl>
+                                          <p:spTgt spid="3">
+                                            <p:txEl>
+                                              <p:pRg st="3" end="3"/>
+                                            </p:txEl>
+                                          </p:spTgt>
+                                        </p:tgtEl>
+                                        <p:attrNameLst>
+                                          <p:attrName>style.visibility</p:attrName>
+                                        </p:attrNameLst>
+                                      </p:cBhvr>
+                                      <p:to>
+                                        <p:strVal val="visible"/>
+                                      </p:to>
+                                    </p:set>
+                                    <p:anim calcmode="lin" valueType="num">
+                                      <p:cBhvr additive="base">
+                                        <p:cTn id="25" dur="500" fill="hold"/>
+                                        <p:tgtEl>
+                                          <p:spTgt spid="3">
+                                            <p:txEl>
+                                              <p:pRg st="3" end="3"/>
+                                            </p:txEl>
+                                          </p:spTgt>
+                                        </p:tgtEl>
+                                        <p:attrNameLst>
+                                          <p:attrName>ppt_x</p:attrName>
+                                        </p:attrNameLst>
+                                      </p:cBhvr>
+                                      <p:tavLst>
+                                        <p:tav tm="0">
+                                          <p:val>
+                                            <p:strVal val="#ppt_x"/>
+                                          </p:val>
+                                        </p:tav>
+                                        <p:tav tm="100000">
+                                          <p:val>
+                                            <p:strVal val="#ppt_x"/>
+                                          </p:val>
+                                        </p:tav>
+                                      </p:tavLst>
+                                    </p:anim>
+                                    <p:anim calcmode="lin" valueType="num">
+                                      <p:cBhvr additive="base">
+                                        <p:cTn id="26" dur="500" fill="hold"/>
+                                        <p:tgtEl>
+                                          <p:spTgt spid="3">
+                                            <p:txEl>
+                                              <p:pRg st="3" end="3"/>
+                                            </p:txEl>
+                                          </p:spTgt>
+                                        </p:tgtEl>
+                                        <p:attrNameLst>
+                                          <p:attrName>ppt_y</p:attrName>
+                                        </p:attrNameLst>
+                                      </p:cBhvr>
+                                      <p:tavLst>
+                                        <p:tav tm="0">
+                                          <p:val>
+                                            <p:strVal val="1+#ppt_h/2"/>
+                                          </p:val>
+                                        </p:tav>
+                                        <p:tav tm="100000">
+                                          <p:val>
+                                            <p:strVal val="#ppt_y"/>
+                                          </p:val>
+                                        </p:tav>
+                                      </p:tavLst>
+                                    </p:anim>
+                                  </p:childTnLst>
+                                </p:cTn>
+                              </p:par>
+                            </p:childTnLst>
+                          </p:cTn>
+                        </p:par>
+                      </p:childTnLst>
+                    </p:cTn>
+                  </p:par>
+                  <p:par>
+                    <p:cTn id="27" fill="hold">
+                      <p:stCondLst>
+                        <p:cond delay="indefinite"/>
+                      </p:stCondLst>
+                      <p:childTnLst>
+                        <p:par>
+                          <p:cTn id="28" fill="hold">
+                            <p:stCondLst>
+                              <p:cond delay="0"/>
+                            </p:stCondLst>
+                            <p:childTnLst>
+                              <p:par>
+                                <p:cTn id="29" presetID="2" presetClass="entr" presetSubtype="4" fill="hold" nodeType="clickEffect">
+                                  <p:stCondLst>
+                                    <p:cond delay="0"/>
+                                  </p:stCondLst>
+                                  <p:childTnLst>
+                                    <p:set>
+                                      <p:cBhvr>
+                                        <p:cTn id="30" dur="1" fill="hold">
+                                          <p:stCondLst>
+                                            <p:cond delay="0"/>
+                                          </p:stCondLst>
+                                        </p:cTn>
+                                        <p:tgtEl>
+                                          <p:spTgt spid="3">
+                                            <p:txEl>
+                                              <p:pRg st="4" end="4"/>
+                                            </p:txEl>
+                                          </p:spTgt>
+                                        </p:tgtEl>
+                                        <p:attrNameLst>
+                                          <p:attrName>style.visibility</p:attrName>
+                                        </p:attrNameLst>
+                                      </p:cBhvr>
+                                      <p:to>
+                                        <p:strVal val="visible"/>
+                                      </p:to>
+                                    </p:set>
+                                    <p:anim calcmode="lin" valueType="num">
+                                      <p:cBhvr additive="base">
+                                        <p:cTn id="31" dur="500" fill="hold"/>
+                                        <p:tgtEl>
+                                          <p:spTgt spid="3">
+                                            <p:txEl>
+                                              <p:pRg st="4" end="4"/>
+                                            </p:txEl>
+                                          </p:spTgt>
+                                        </p:tgtEl>
+                                        <p:attrNameLst>
+                                          <p:attrName>ppt_x</p:attrName>
+                                        </p:attrNameLst>
+                                      </p:cBhvr>
+                                      <p:tavLst>
+                                        <p:tav tm="0">
+                                          <p:val>
+                                            <p:strVal val="#ppt_x"/>
+                                          </p:val>
+                                        </p:tav>
+                                        <p:tav tm="100000">
+                                          <p:val>
+                                            <p:strVal val="#ppt_x"/>
+                                          </p:val>
+                                        </p:tav>
+                                      </p:tavLst>
+                                    </p:anim>
+                                    <p:anim calcmode="lin" valueType="num">
+                                      <p:cBhvr additive="base">
+                                        <p:cTn id="32" dur="500" fill="hold"/>
+                                        <p:tgtEl>
+                                          <p:spTgt spid="3">
+                                            <p:txEl>
+                                              <p:pRg st="4" end="4"/>
+                                            </p:txEl>
+                                          </p:spTgt>
+                                        </p:tgtEl>
+                                        <p:attrNameLst>
+                                          <p:attrName>ppt_y</p:attrName>
+                                        </p:attrNameLst>
+                                      </p:cBhvr>
+                                      <p:tavLst>
+                                        <p:tav tm="0">
+                                          <p:val>
+                                            <p:strVal val="1+#ppt_h/2"/>
+                                          </p:val>
+                                        </p:tav>
+                                        <p:tav tm="100000">
+                                          <p:val>
+                                            <p:strVal val="#ppt_y"/>
+                                          </p:val>
+                                        </p:tav>
+                                      </p:tavLst>
+                                    </p:anim>
+                                  </p:childTnLst>
+                                </p:cTn>
+                              </p:par>
+                            </p:childTnLst>
+                          </p:cTn>
+                        </p:par>
+                      </p:childTnLst>
+                    </p:cTn>
+                  </p:par>
+                </p:childTnLst>
+              </p:cTn>
+              <p:prevCondLst>
+                <p:cond evt="onPrev" delay="0">
+                  <p:tgtEl>
+                    <p:sldTgt/>
+                  </p:tgtEl>
+                </p:cond>
+              </p:prevCondLst>
+              <p:nextCondLst>
+                <p:cond evt="onNext" delay="0">
+                  <p:tgtEl>
+                    <p:sldTgt/>
+                  </p:tgtEl>
+                </p:cond>
+              </p:nextCondLst>
+            </p:seq>
+          </p:childTnLst>
+        </p:cTn>
       </p:par>
     </p:tnLst>
   </p:timing>
@@ -4803,10 +5865,600 @@
   <p:clrMapOvr>
     <a:masterClrMapping/>
   </p:clrMapOvr>
+  <p:transition spd="med">
+    <p:pull/>
+  </p:transition>
   <p:timing>
     <p:tnLst>
       <p:par>
-        <p:cTn id="1" dur="indefinite" restart="never" nodeType="tmRoot"/>
+        <p:cTn id="1" dur="indefinite" restart="never" nodeType="tmRoot">
+          <p:childTnLst>
+            <p:seq concurrent="1" nextAc="seek">
+              <p:cTn id="2" dur="indefinite" nodeType="mainSeq">
+                <p:childTnLst>
+                  <p:par>
+                    <p:cTn id="3" fill="hold">
+                      <p:stCondLst>
+                        <p:cond delay="indefinite"/>
+                      </p:stCondLst>
+                      <p:childTnLst>
+                        <p:par>
+                          <p:cTn id="4" fill="hold">
+                            <p:stCondLst>
+                              <p:cond delay="0"/>
+                            </p:stCondLst>
+                            <p:childTnLst>
+                              <p:par>
+                                <p:cTn id="5" presetID="2" presetClass="entr" presetSubtype="4" fill="hold" nodeType="clickEffect">
+                                  <p:stCondLst>
+                                    <p:cond delay="0"/>
+                                  </p:stCondLst>
+                                  <p:childTnLst>
+                                    <p:set>
+                                      <p:cBhvr>
+                                        <p:cTn id="6" dur="1" fill="hold">
+                                          <p:stCondLst>
+                                            <p:cond delay="0"/>
+                                          </p:stCondLst>
+                                        </p:cTn>
+                                        <p:tgtEl>
+                                          <p:spTgt spid="5">
+                                            <p:txEl>
+                                              <p:pRg st="0" end="0"/>
+                                            </p:txEl>
+                                          </p:spTgt>
+                                        </p:tgtEl>
+                                        <p:attrNameLst>
+                                          <p:attrName>style.visibility</p:attrName>
+                                        </p:attrNameLst>
+                                      </p:cBhvr>
+                                      <p:to>
+                                        <p:strVal val="visible"/>
+                                      </p:to>
+                                    </p:set>
+                                    <p:anim calcmode="lin" valueType="num">
+                                      <p:cBhvr additive="base">
+                                        <p:cTn id="7" dur="500" fill="hold"/>
+                                        <p:tgtEl>
+                                          <p:spTgt spid="5">
+                                            <p:txEl>
+                                              <p:pRg st="0" end="0"/>
+                                            </p:txEl>
+                                          </p:spTgt>
+                                        </p:tgtEl>
+                                        <p:attrNameLst>
+                                          <p:attrName>ppt_x</p:attrName>
+                                        </p:attrNameLst>
+                                      </p:cBhvr>
+                                      <p:tavLst>
+                                        <p:tav tm="0">
+                                          <p:val>
+                                            <p:strVal val="#ppt_x"/>
+                                          </p:val>
+                                        </p:tav>
+                                        <p:tav tm="100000">
+                                          <p:val>
+                                            <p:strVal val="#ppt_x"/>
+                                          </p:val>
+                                        </p:tav>
+                                      </p:tavLst>
+                                    </p:anim>
+                                    <p:anim calcmode="lin" valueType="num">
+                                      <p:cBhvr additive="base">
+                                        <p:cTn id="8" dur="500" fill="hold"/>
+                                        <p:tgtEl>
+                                          <p:spTgt spid="5">
+                                            <p:txEl>
+                                              <p:pRg st="0" end="0"/>
+                                            </p:txEl>
+                                          </p:spTgt>
+                                        </p:tgtEl>
+                                        <p:attrNameLst>
+                                          <p:attrName>ppt_y</p:attrName>
+                                        </p:attrNameLst>
+                                      </p:cBhvr>
+                                      <p:tavLst>
+                                        <p:tav tm="0">
+                                          <p:val>
+                                            <p:strVal val="1+#ppt_h/2"/>
+                                          </p:val>
+                                        </p:tav>
+                                        <p:tav tm="100000">
+                                          <p:val>
+                                            <p:strVal val="#ppt_y"/>
+                                          </p:val>
+                                        </p:tav>
+                                      </p:tavLst>
+                                    </p:anim>
+                                  </p:childTnLst>
+                                </p:cTn>
+                              </p:par>
+                              <p:par>
+                                <p:cTn id="9" presetID="2" presetClass="entr" presetSubtype="4" fill="hold" nodeType="withEffect">
+                                  <p:stCondLst>
+                                    <p:cond delay="0"/>
+                                  </p:stCondLst>
+                                  <p:childTnLst>
+                                    <p:set>
+                                      <p:cBhvr>
+                                        <p:cTn id="10" dur="1" fill="hold">
+                                          <p:stCondLst>
+                                            <p:cond delay="0"/>
+                                          </p:stCondLst>
+                                        </p:cTn>
+                                        <p:tgtEl>
+                                          <p:spTgt spid="5">
+                                            <p:txEl>
+                                              <p:pRg st="1" end="1"/>
+                                            </p:txEl>
+                                          </p:spTgt>
+                                        </p:tgtEl>
+                                        <p:attrNameLst>
+                                          <p:attrName>style.visibility</p:attrName>
+                                        </p:attrNameLst>
+                                      </p:cBhvr>
+                                      <p:to>
+                                        <p:strVal val="visible"/>
+                                      </p:to>
+                                    </p:set>
+                                    <p:anim calcmode="lin" valueType="num">
+                                      <p:cBhvr additive="base">
+                                        <p:cTn id="11" dur="500" fill="hold"/>
+                                        <p:tgtEl>
+                                          <p:spTgt spid="5">
+                                            <p:txEl>
+                                              <p:pRg st="1" end="1"/>
+                                            </p:txEl>
+                                          </p:spTgt>
+                                        </p:tgtEl>
+                                        <p:attrNameLst>
+                                          <p:attrName>ppt_x</p:attrName>
+                                        </p:attrNameLst>
+                                      </p:cBhvr>
+                                      <p:tavLst>
+                                        <p:tav tm="0">
+                                          <p:val>
+                                            <p:strVal val="#ppt_x"/>
+                                          </p:val>
+                                        </p:tav>
+                                        <p:tav tm="100000">
+                                          <p:val>
+                                            <p:strVal val="#ppt_x"/>
+                                          </p:val>
+                                        </p:tav>
+                                      </p:tavLst>
+                                    </p:anim>
+                                    <p:anim calcmode="lin" valueType="num">
+                                      <p:cBhvr additive="base">
+                                        <p:cTn id="12" dur="500" fill="hold"/>
+                                        <p:tgtEl>
+                                          <p:spTgt spid="5">
+                                            <p:txEl>
+                                              <p:pRg st="1" end="1"/>
+                                            </p:txEl>
+                                          </p:spTgt>
+                                        </p:tgtEl>
+                                        <p:attrNameLst>
+                                          <p:attrName>ppt_y</p:attrName>
+                                        </p:attrNameLst>
+                                      </p:cBhvr>
+                                      <p:tavLst>
+                                        <p:tav tm="0">
+                                          <p:val>
+                                            <p:strVal val="1+#ppt_h/2"/>
+                                          </p:val>
+                                        </p:tav>
+                                        <p:tav tm="100000">
+                                          <p:val>
+                                            <p:strVal val="#ppt_y"/>
+                                          </p:val>
+                                        </p:tav>
+                                      </p:tavLst>
+                                    </p:anim>
+                                  </p:childTnLst>
+                                </p:cTn>
+                              </p:par>
+                            </p:childTnLst>
+                          </p:cTn>
+                        </p:par>
+                      </p:childTnLst>
+                    </p:cTn>
+                  </p:par>
+                  <p:par>
+                    <p:cTn id="13" fill="hold">
+                      <p:stCondLst>
+                        <p:cond delay="indefinite"/>
+                      </p:stCondLst>
+                      <p:childTnLst>
+                        <p:par>
+                          <p:cTn id="14" fill="hold">
+                            <p:stCondLst>
+                              <p:cond delay="0"/>
+                            </p:stCondLst>
+                            <p:childTnLst>
+                              <p:par>
+                                <p:cTn id="15" presetID="2" presetClass="entr" presetSubtype="4" fill="hold" nodeType="clickEffect">
+                                  <p:stCondLst>
+                                    <p:cond delay="0"/>
+                                  </p:stCondLst>
+                                  <p:childTnLst>
+                                    <p:set>
+                                      <p:cBhvr>
+                                        <p:cTn id="16" dur="1" fill="hold">
+                                          <p:stCondLst>
+                                            <p:cond delay="0"/>
+                                          </p:stCondLst>
+                                        </p:cTn>
+                                        <p:tgtEl>
+                                          <p:spTgt spid="5">
+                                            <p:txEl>
+                                              <p:pRg st="2" end="2"/>
+                                            </p:txEl>
+                                          </p:spTgt>
+                                        </p:tgtEl>
+                                        <p:attrNameLst>
+                                          <p:attrName>style.visibility</p:attrName>
+                                        </p:attrNameLst>
+                                      </p:cBhvr>
+                                      <p:to>
+                                        <p:strVal val="visible"/>
+                                      </p:to>
+                                    </p:set>
+                                    <p:anim calcmode="lin" valueType="num">
+                                      <p:cBhvr additive="base">
+                                        <p:cTn id="17" dur="500" fill="hold"/>
+                                        <p:tgtEl>
+                                          <p:spTgt spid="5">
+                                            <p:txEl>
+                                              <p:pRg st="2" end="2"/>
+                                            </p:txEl>
+                                          </p:spTgt>
+                                        </p:tgtEl>
+                                        <p:attrNameLst>
+                                          <p:attrName>ppt_x</p:attrName>
+                                        </p:attrNameLst>
+                                      </p:cBhvr>
+                                      <p:tavLst>
+                                        <p:tav tm="0">
+                                          <p:val>
+                                            <p:strVal val="#ppt_x"/>
+                                          </p:val>
+                                        </p:tav>
+                                        <p:tav tm="100000">
+                                          <p:val>
+                                            <p:strVal val="#ppt_x"/>
+                                          </p:val>
+                                        </p:tav>
+                                      </p:tavLst>
+                                    </p:anim>
+                                    <p:anim calcmode="lin" valueType="num">
+                                      <p:cBhvr additive="base">
+                                        <p:cTn id="18" dur="500" fill="hold"/>
+                                        <p:tgtEl>
+                                          <p:spTgt spid="5">
+                                            <p:txEl>
+                                              <p:pRg st="2" end="2"/>
+                                            </p:txEl>
+                                          </p:spTgt>
+                                        </p:tgtEl>
+                                        <p:attrNameLst>
+                                          <p:attrName>ppt_y</p:attrName>
+                                        </p:attrNameLst>
+                                      </p:cBhvr>
+                                      <p:tavLst>
+                                        <p:tav tm="0">
+                                          <p:val>
+                                            <p:strVal val="1+#ppt_h/2"/>
+                                          </p:val>
+                                        </p:tav>
+                                        <p:tav tm="100000">
+                                          <p:val>
+                                            <p:strVal val="#ppt_y"/>
+                                          </p:val>
+                                        </p:tav>
+                                      </p:tavLst>
+                                    </p:anim>
+                                  </p:childTnLst>
+                                </p:cTn>
+                              </p:par>
+                              <p:par>
+                                <p:cTn id="19" presetID="2" presetClass="entr" presetSubtype="4" fill="hold" nodeType="withEffect">
+                                  <p:stCondLst>
+                                    <p:cond delay="0"/>
+                                  </p:stCondLst>
+                                  <p:childTnLst>
+                                    <p:set>
+                                      <p:cBhvr>
+                                        <p:cTn id="20" dur="1" fill="hold">
+                                          <p:stCondLst>
+                                            <p:cond delay="0"/>
+                                          </p:stCondLst>
+                                        </p:cTn>
+                                        <p:tgtEl>
+                                          <p:spTgt spid="5">
+                                            <p:txEl>
+                                              <p:pRg st="3" end="3"/>
+                                            </p:txEl>
+                                          </p:spTgt>
+                                        </p:tgtEl>
+                                        <p:attrNameLst>
+                                          <p:attrName>style.visibility</p:attrName>
+                                        </p:attrNameLst>
+                                      </p:cBhvr>
+                                      <p:to>
+                                        <p:strVal val="visible"/>
+                                      </p:to>
+                                    </p:set>
+                                    <p:anim calcmode="lin" valueType="num">
+                                      <p:cBhvr additive="base">
+                                        <p:cTn id="21" dur="500" fill="hold"/>
+                                        <p:tgtEl>
+                                          <p:spTgt spid="5">
+                                            <p:txEl>
+                                              <p:pRg st="3" end="3"/>
+                                            </p:txEl>
+                                          </p:spTgt>
+                                        </p:tgtEl>
+                                        <p:attrNameLst>
+                                          <p:attrName>ppt_x</p:attrName>
+                                        </p:attrNameLst>
+                                      </p:cBhvr>
+                                      <p:tavLst>
+                                        <p:tav tm="0">
+                                          <p:val>
+                                            <p:strVal val="#ppt_x"/>
+                                          </p:val>
+                                        </p:tav>
+                                        <p:tav tm="100000">
+                                          <p:val>
+                                            <p:strVal val="#ppt_x"/>
+                                          </p:val>
+                                        </p:tav>
+                                      </p:tavLst>
+                                    </p:anim>
+                                    <p:anim calcmode="lin" valueType="num">
+                                      <p:cBhvr additive="base">
+                                        <p:cTn id="22" dur="500" fill="hold"/>
+                                        <p:tgtEl>
+                                          <p:spTgt spid="5">
+                                            <p:txEl>
+                                              <p:pRg st="3" end="3"/>
+                                            </p:txEl>
+                                          </p:spTgt>
+                                        </p:tgtEl>
+                                        <p:attrNameLst>
+                                          <p:attrName>ppt_y</p:attrName>
+                                        </p:attrNameLst>
+                                      </p:cBhvr>
+                                      <p:tavLst>
+                                        <p:tav tm="0">
+                                          <p:val>
+                                            <p:strVal val="1+#ppt_h/2"/>
+                                          </p:val>
+                                        </p:tav>
+                                        <p:tav tm="100000">
+                                          <p:val>
+                                            <p:strVal val="#ppt_y"/>
+                                          </p:val>
+                                        </p:tav>
+                                      </p:tavLst>
+                                    </p:anim>
+                                  </p:childTnLst>
+                                </p:cTn>
+                              </p:par>
+                            </p:childTnLst>
+                          </p:cTn>
+                        </p:par>
+                      </p:childTnLst>
+                    </p:cTn>
+                  </p:par>
+                  <p:par>
+                    <p:cTn id="23" fill="hold">
+                      <p:stCondLst>
+                        <p:cond delay="indefinite"/>
+                      </p:stCondLst>
+                      <p:childTnLst>
+                        <p:par>
+                          <p:cTn id="24" fill="hold">
+                            <p:stCondLst>
+                              <p:cond delay="0"/>
+                            </p:stCondLst>
+                            <p:childTnLst>
+                              <p:par>
+                                <p:cTn id="25" presetID="2" presetClass="entr" presetSubtype="4" fill="hold" nodeType="clickEffect">
+                                  <p:stCondLst>
+                                    <p:cond delay="0"/>
+                                  </p:stCondLst>
+                                  <p:childTnLst>
+                                    <p:set>
+                                      <p:cBhvr>
+                                        <p:cTn id="26" dur="1" fill="hold">
+                                          <p:stCondLst>
+                                            <p:cond delay="0"/>
+                                          </p:stCondLst>
+                                        </p:cTn>
+                                        <p:tgtEl>
+                                          <p:spTgt spid="5">
+                                            <p:txEl>
+                                              <p:pRg st="4" end="4"/>
+                                            </p:txEl>
+                                          </p:spTgt>
+                                        </p:tgtEl>
+                                        <p:attrNameLst>
+                                          <p:attrName>style.visibility</p:attrName>
+                                        </p:attrNameLst>
+                                      </p:cBhvr>
+                                      <p:to>
+                                        <p:strVal val="visible"/>
+                                      </p:to>
+                                    </p:set>
+                                    <p:anim calcmode="lin" valueType="num">
+                                      <p:cBhvr additive="base">
+                                        <p:cTn id="27" dur="500" fill="hold"/>
+                                        <p:tgtEl>
+                                          <p:spTgt spid="5">
+                                            <p:txEl>
+                                              <p:pRg st="4" end="4"/>
+                                            </p:txEl>
+                                          </p:spTgt>
+                                        </p:tgtEl>
+                                        <p:attrNameLst>
+                                          <p:attrName>ppt_x</p:attrName>
+                                        </p:attrNameLst>
+                                      </p:cBhvr>
+                                      <p:tavLst>
+                                        <p:tav tm="0">
+                                          <p:val>
+                                            <p:strVal val="#ppt_x"/>
+                                          </p:val>
+                                        </p:tav>
+                                        <p:tav tm="100000">
+                                          <p:val>
+                                            <p:strVal val="#ppt_x"/>
+                                          </p:val>
+                                        </p:tav>
+                                      </p:tavLst>
+                                    </p:anim>
+                                    <p:anim calcmode="lin" valueType="num">
+                                      <p:cBhvr additive="base">
+                                        <p:cTn id="28" dur="500" fill="hold"/>
+                                        <p:tgtEl>
+                                          <p:spTgt spid="5">
+                                            <p:txEl>
+                                              <p:pRg st="4" end="4"/>
+                                            </p:txEl>
+                                          </p:spTgt>
+                                        </p:tgtEl>
+                                        <p:attrNameLst>
+                                          <p:attrName>ppt_y</p:attrName>
+                                        </p:attrNameLst>
+                                      </p:cBhvr>
+                                      <p:tavLst>
+                                        <p:tav tm="0">
+                                          <p:val>
+                                            <p:strVal val="1+#ppt_h/2"/>
+                                          </p:val>
+                                        </p:tav>
+                                        <p:tav tm="100000">
+                                          <p:val>
+                                            <p:strVal val="#ppt_y"/>
+                                          </p:val>
+                                        </p:tav>
+                                      </p:tavLst>
+                                    </p:anim>
+                                  </p:childTnLst>
+                                </p:cTn>
+                              </p:par>
+                              <p:par>
+                                <p:cTn id="29" presetID="2" presetClass="entr" presetSubtype="4" fill="hold" nodeType="withEffect">
+                                  <p:stCondLst>
+                                    <p:cond delay="0"/>
+                                  </p:stCondLst>
+                                  <p:childTnLst>
+                                    <p:set>
+                                      <p:cBhvr>
+                                        <p:cTn id="30" dur="1" fill="hold">
+                                          <p:stCondLst>
+                                            <p:cond delay="0"/>
+                                          </p:stCondLst>
+                                        </p:cTn>
+                                        <p:tgtEl>
+                                          <p:spTgt spid="5">
+                                            <p:txEl>
+                                              <p:pRg st="5" end="5"/>
+                                            </p:txEl>
+                                          </p:spTgt>
+                                        </p:tgtEl>
+                                        <p:attrNameLst>
+                                          <p:attrName>style.visibility</p:attrName>
+                                        </p:attrNameLst>
+                                      </p:cBhvr>
+                                      <p:to>
+                                        <p:strVal val="visible"/>
+                                      </p:to>
+                                    </p:set>
+                                    <p:anim calcmode="lin" valueType="num">
+                                      <p:cBhvr additive="base">
+                                        <p:cTn id="31" dur="500" fill="hold"/>
+                                        <p:tgtEl>
+                                          <p:spTgt spid="5">
+                                            <p:txEl>
+                                              <p:pRg st="5" end="5"/>
+                                            </p:txEl>
+                                          </p:spTgt>
+                                        </p:tgtEl>
+                                        <p:attrNameLst>
+                                          <p:attrName>ppt_x</p:attrName>
+                                        </p:attrNameLst>
+                                      </p:cBhvr>
+                                      <p:tavLst>
+                                        <p:tav tm="0">
+                                          <p:val>
+                                            <p:strVal val="#ppt_x"/>
+                                          </p:val>
+                                        </p:tav>
+                                        <p:tav tm="100000">
+                                          <p:val>
+                                            <p:strVal val="#ppt_x"/>
+                                          </p:val>
+                                        </p:tav>
+                                      </p:tavLst>
+                                    </p:anim>
+                                    <p:anim calcmode="lin" valueType="num">
+                                      <p:cBhvr additive="base">
+                                        <p:cTn id="32" dur="500" fill="hold"/>
+                                        <p:tgtEl>
+                                          <p:spTgt spid="5">
+                                            <p:txEl>
+                                              <p:pRg st="5" end="5"/>
+                                            </p:txEl>
+                                          </p:spTgt>
+                                        </p:tgtEl>
+                                        <p:attrNameLst>
+                                          <p:attrName>ppt_y</p:attrName>
+                                        </p:attrNameLst>
+                                      </p:cBhvr>
+                                      <p:tavLst>
+                                        <p:tav tm="0">
+                                          <p:val>
+                                            <p:strVal val="1+#ppt_h/2"/>
+                                          </p:val>
+                                        </p:tav>
+                                        <p:tav tm="100000">
+                                          <p:val>
+                                            <p:strVal val="#ppt_y"/>
+                                          </p:val>
+                                        </p:tav>
+                                      </p:tavLst>
+                                    </p:anim>
+                                  </p:childTnLst>
+                                </p:cTn>
+                              </p:par>
+                            </p:childTnLst>
+                          </p:cTn>
+                        </p:par>
+                      </p:childTnLst>
+                    </p:cTn>
+                  </p:par>
+                </p:childTnLst>
+              </p:cTn>
+              <p:prevCondLst>
+                <p:cond evt="onPrev" delay="0">
+                  <p:tgtEl>
+                    <p:sldTgt/>
+                  </p:tgtEl>
+                </p:cond>
+              </p:prevCondLst>
+              <p:nextCondLst>
+                <p:cond evt="onNext" delay="0">
+                  <p:tgtEl>
+                    <p:sldTgt/>
+                  </p:tgtEl>
+                </p:cond>
+              </p:nextCondLst>
+            </p:seq>
+          </p:childTnLst>
+        </p:cTn>
       </p:par>
     </p:tnLst>
   </p:timing>
@@ -4992,10 +6644,788 @@
   <p:clrMapOvr>
     <a:masterClrMapping/>
   </p:clrMapOvr>
+  <p:transition spd="med">
+    <p:pull/>
+  </p:transition>
   <p:timing>
     <p:tnLst>
       <p:par>
-        <p:cTn id="1" dur="indefinite" restart="never" nodeType="tmRoot"/>
+        <p:cTn id="1" dur="indefinite" restart="never" nodeType="tmRoot">
+          <p:childTnLst>
+            <p:seq concurrent="1" nextAc="seek">
+              <p:cTn id="2" dur="indefinite" nodeType="mainSeq">
+                <p:childTnLst>
+                  <p:par>
+                    <p:cTn id="3" fill="hold">
+                      <p:stCondLst>
+                        <p:cond delay="indefinite"/>
+                      </p:stCondLst>
+                      <p:childTnLst>
+                        <p:par>
+                          <p:cTn id="4" fill="hold">
+                            <p:stCondLst>
+                              <p:cond delay="0"/>
+                            </p:stCondLst>
+                            <p:childTnLst>
+                              <p:par>
+                                <p:cTn id="5" presetID="2" presetClass="entr" presetSubtype="4" fill="hold" nodeType="clickEffect">
+                                  <p:stCondLst>
+                                    <p:cond delay="0"/>
+                                  </p:stCondLst>
+                                  <p:childTnLst>
+                                    <p:set>
+                                      <p:cBhvr>
+                                        <p:cTn id="6" dur="1" fill="hold">
+                                          <p:stCondLst>
+                                            <p:cond delay="0"/>
+                                          </p:stCondLst>
+                                        </p:cTn>
+                                        <p:tgtEl>
+                                          <p:spTgt spid="5">
+                                            <p:txEl>
+                                              <p:pRg st="0" end="0"/>
+                                            </p:txEl>
+                                          </p:spTgt>
+                                        </p:tgtEl>
+                                        <p:attrNameLst>
+                                          <p:attrName>style.visibility</p:attrName>
+                                        </p:attrNameLst>
+                                      </p:cBhvr>
+                                      <p:to>
+                                        <p:strVal val="visible"/>
+                                      </p:to>
+                                    </p:set>
+                                    <p:anim calcmode="lin" valueType="num">
+                                      <p:cBhvr additive="base">
+                                        <p:cTn id="7" dur="500" fill="hold"/>
+                                        <p:tgtEl>
+                                          <p:spTgt spid="5">
+                                            <p:txEl>
+                                              <p:pRg st="0" end="0"/>
+                                            </p:txEl>
+                                          </p:spTgt>
+                                        </p:tgtEl>
+                                        <p:attrNameLst>
+                                          <p:attrName>ppt_x</p:attrName>
+                                        </p:attrNameLst>
+                                      </p:cBhvr>
+                                      <p:tavLst>
+                                        <p:tav tm="0">
+                                          <p:val>
+                                            <p:strVal val="#ppt_x"/>
+                                          </p:val>
+                                        </p:tav>
+                                        <p:tav tm="100000">
+                                          <p:val>
+                                            <p:strVal val="#ppt_x"/>
+                                          </p:val>
+                                        </p:tav>
+                                      </p:tavLst>
+                                    </p:anim>
+                                    <p:anim calcmode="lin" valueType="num">
+                                      <p:cBhvr additive="base">
+                                        <p:cTn id="8" dur="500" fill="hold"/>
+                                        <p:tgtEl>
+                                          <p:spTgt spid="5">
+                                            <p:txEl>
+                                              <p:pRg st="0" end="0"/>
+                                            </p:txEl>
+                                          </p:spTgt>
+                                        </p:tgtEl>
+                                        <p:attrNameLst>
+                                          <p:attrName>ppt_y</p:attrName>
+                                        </p:attrNameLst>
+                                      </p:cBhvr>
+                                      <p:tavLst>
+                                        <p:tav tm="0">
+                                          <p:val>
+                                            <p:strVal val="1+#ppt_h/2"/>
+                                          </p:val>
+                                        </p:tav>
+                                        <p:tav tm="100000">
+                                          <p:val>
+                                            <p:strVal val="#ppt_y"/>
+                                          </p:val>
+                                        </p:tav>
+                                      </p:tavLst>
+                                    </p:anim>
+                                  </p:childTnLst>
+                                </p:cTn>
+                              </p:par>
+                            </p:childTnLst>
+                          </p:cTn>
+                        </p:par>
+                      </p:childTnLst>
+                    </p:cTn>
+                  </p:par>
+                  <p:par>
+                    <p:cTn id="9" fill="hold">
+                      <p:stCondLst>
+                        <p:cond delay="indefinite"/>
+                      </p:stCondLst>
+                      <p:childTnLst>
+                        <p:par>
+                          <p:cTn id="10" fill="hold">
+                            <p:stCondLst>
+                              <p:cond delay="0"/>
+                            </p:stCondLst>
+                            <p:childTnLst>
+                              <p:par>
+                                <p:cTn id="11" presetID="2" presetClass="entr" presetSubtype="4" fill="hold" nodeType="clickEffect">
+                                  <p:stCondLst>
+                                    <p:cond delay="0"/>
+                                  </p:stCondLst>
+                                  <p:childTnLst>
+                                    <p:set>
+                                      <p:cBhvr>
+                                        <p:cTn id="12" dur="1" fill="hold">
+                                          <p:stCondLst>
+                                            <p:cond delay="0"/>
+                                          </p:stCondLst>
+                                        </p:cTn>
+                                        <p:tgtEl>
+                                          <p:spTgt spid="5">
+                                            <p:txEl>
+                                              <p:pRg st="1" end="1"/>
+                                            </p:txEl>
+                                          </p:spTgt>
+                                        </p:tgtEl>
+                                        <p:attrNameLst>
+                                          <p:attrName>style.visibility</p:attrName>
+                                        </p:attrNameLst>
+                                      </p:cBhvr>
+                                      <p:to>
+                                        <p:strVal val="visible"/>
+                                      </p:to>
+                                    </p:set>
+                                    <p:anim calcmode="lin" valueType="num">
+                                      <p:cBhvr additive="base">
+                                        <p:cTn id="13" dur="500" fill="hold"/>
+                                        <p:tgtEl>
+                                          <p:spTgt spid="5">
+                                            <p:txEl>
+                                              <p:pRg st="1" end="1"/>
+                                            </p:txEl>
+                                          </p:spTgt>
+                                        </p:tgtEl>
+                                        <p:attrNameLst>
+                                          <p:attrName>ppt_x</p:attrName>
+                                        </p:attrNameLst>
+                                      </p:cBhvr>
+                                      <p:tavLst>
+                                        <p:tav tm="0">
+                                          <p:val>
+                                            <p:strVal val="#ppt_x"/>
+                                          </p:val>
+                                        </p:tav>
+                                        <p:tav tm="100000">
+                                          <p:val>
+                                            <p:strVal val="#ppt_x"/>
+                                          </p:val>
+                                        </p:tav>
+                                      </p:tavLst>
+                                    </p:anim>
+                                    <p:anim calcmode="lin" valueType="num">
+                                      <p:cBhvr additive="base">
+                                        <p:cTn id="14" dur="500" fill="hold"/>
+                                        <p:tgtEl>
+                                          <p:spTgt spid="5">
+                                            <p:txEl>
+                                              <p:pRg st="1" end="1"/>
+                                            </p:txEl>
+                                          </p:spTgt>
+                                        </p:tgtEl>
+                                        <p:attrNameLst>
+                                          <p:attrName>ppt_y</p:attrName>
+                                        </p:attrNameLst>
+                                      </p:cBhvr>
+                                      <p:tavLst>
+                                        <p:tav tm="0">
+                                          <p:val>
+                                            <p:strVal val="1+#ppt_h/2"/>
+                                          </p:val>
+                                        </p:tav>
+                                        <p:tav tm="100000">
+                                          <p:val>
+                                            <p:strVal val="#ppt_y"/>
+                                          </p:val>
+                                        </p:tav>
+                                      </p:tavLst>
+                                    </p:anim>
+                                  </p:childTnLst>
+                                </p:cTn>
+                              </p:par>
+                              <p:par>
+                                <p:cTn id="15" presetID="2" presetClass="entr" presetSubtype="4" fill="hold" nodeType="withEffect">
+                                  <p:stCondLst>
+                                    <p:cond delay="0"/>
+                                  </p:stCondLst>
+                                  <p:childTnLst>
+                                    <p:set>
+                                      <p:cBhvr>
+                                        <p:cTn id="16" dur="1" fill="hold">
+                                          <p:stCondLst>
+                                            <p:cond delay="0"/>
+                                          </p:stCondLst>
+                                        </p:cTn>
+                                        <p:tgtEl>
+                                          <p:spTgt spid="5">
+                                            <p:txEl>
+                                              <p:pRg st="2" end="2"/>
+                                            </p:txEl>
+                                          </p:spTgt>
+                                        </p:tgtEl>
+                                        <p:attrNameLst>
+                                          <p:attrName>style.visibility</p:attrName>
+                                        </p:attrNameLst>
+                                      </p:cBhvr>
+                                      <p:to>
+                                        <p:strVal val="visible"/>
+                                      </p:to>
+                                    </p:set>
+                                    <p:anim calcmode="lin" valueType="num">
+                                      <p:cBhvr additive="base">
+                                        <p:cTn id="17" dur="500" fill="hold"/>
+                                        <p:tgtEl>
+                                          <p:spTgt spid="5">
+                                            <p:txEl>
+                                              <p:pRg st="2" end="2"/>
+                                            </p:txEl>
+                                          </p:spTgt>
+                                        </p:tgtEl>
+                                        <p:attrNameLst>
+                                          <p:attrName>ppt_x</p:attrName>
+                                        </p:attrNameLst>
+                                      </p:cBhvr>
+                                      <p:tavLst>
+                                        <p:tav tm="0">
+                                          <p:val>
+                                            <p:strVal val="#ppt_x"/>
+                                          </p:val>
+                                        </p:tav>
+                                        <p:tav tm="100000">
+                                          <p:val>
+                                            <p:strVal val="#ppt_x"/>
+                                          </p:val>
+                                        </p:tav>
+                                      </p:tavLst>
+                                    </p:anim>
+                                    <p:anim calcmode="lin" valueType="num">
+                                      <p:cBhvr additive="base">
+                                        <p:cTn id="18" dur="500" fill="hold"/>
+                                        <p:tgtEl>
+                                          <p:spTgt spid="5">
+                                            <p:txEl>
+                                              <p:pRg st="2" end="2"/>
+                                            </p:txEl>
+                                          </p:spTgt>
+                                        </p:tgtEl>
+                                        <p:attrNameLst>
+                                          <p:attrName>ppt_y</p:attrName>
+                                        </p:attrNameLst>
+                                      </p:cBhvr>
+                                      <p:tavLst>
+                                        <p:tav tm="0">
+                                          <p:val>
+                                            <p:strVal val="1+#ppt_h/2"/>
+                                          </p:val>
+                                        </p:tav>
+                                        <p:tav tm="100000">
+                                          <p:val>
+                                            <p:strVal val="#ppt_y"/>
+                                          </p:val>
+                                        </p:tav>
+                                      </p:tavLst>
+                                    </p:anim>
+                                  </p:childTnLst>
+                                </p:cTn>
+                              </p:par>
+                            </p:childTnLst>
+                          </p:cTn>
+                        </p:par>
+                      </p:childTnLst>
+                    </p:cTn>
+                  </p:par>
+                  <p:par>
+                    <p:cTn id="19" fill="hold">
+                      <p:stCondLst>
+                        <p:cond delay="indefinite"/>
+                      </p:stCondLst>
+                      <p:childTnLst>
+                        <p:par>
+                          <p:cTn id="20" fill="hold">
+                            <p:stCondLst>
+                              <p:cond delay="0"/>
+                            </p:stCondLst>
+                            <p:childTnLst>
+                              <p:par>
+                                <p:cTn id="21" presetID="2" presetClass="entr" presetSubtype="4" fill="hold" nodeType="clickEffect">
+                                  <p:stCondLst>
+                                    <p:cond delay="0"/>
+                                  </p:stCondLst>
+                                  <p:childTnLst>
+                                    <p:set>
+                                      <p:cBhvr>
+                                        <p:cTn id="22" dur="1" fill="hold">
+                                          <p:stCondLst>
+                                            <p:cond delay="0"/>
+                                          </p:stCondLst>
+                                        </p:cTn>
+                                        <p:tgtEl>
+                                          <p:spTgt spid="5">
+                                            <p:txEl>
+                                              <p:pRg st="3" end="3"/>
+                                            </p:txEl>
+                                          </p:spTgt>
+                                        </p:tgtEl>
+                                        <p:attrNameLst>
+                                          <p:attrName>style.visibility</p:attrName>
+                                        </p:attrNameLst>
+                                      </p:cBhvr>
+                                      <p:to>
+                                        <p:strVal val="visible"/>
+                                      </p:to>
+                                    </p:set>
+                                    <p:anim calcmode="lin" valueType="num">
+                                      <p:cBhvr additive="base">
+                                        <p:cTn id="23" dur="500" fill="hold"/>
+                                        <p:tgtEl>
+                                          <p:spTgt spid="5">
+                                            <p:txEl>
+                                              <p:pRg st="3" end="3"/>
+                                            </p:txEl>
+                                          </p:spTgt>
+                                        </p:tgtEl>
+                                        <p:attrNameLst>
+                                          <p:attrName>ppt_x</p:attrName>
+                                        </p:attrNameLst>
+                                      </p:cBhvr>
+                                      <p:tavLst>
+                                        <p:tav tm="0">
+                                          <p:val>
+                                            <p:strVal val="#ppt_x"/>
+                                          </p:val>
+                                        </p:tav>
+                                        <p:tav tm="100000">
+                                          <p:val>
+                                            <p:strVal val="#ppt_x"/>
+                                          </p:val>
+                                        </p:tav>
+                                      </p:tavLst>
+                                    </p:anim>
+                                    <p:anim calcmode="lin" valueType="num">
+                                      <p:cBhvr additive="base">
+                                        <p:cTn id="24" dur="500" fill="hold"/>
+                                        <p:tgtEl>
+                                          <p:spTgt spid="5">
+                                            <p:txEl>
+                                              <p:pRg st="3" end="3"/>
+                                            </p:txEl>
+                                          </p:spTgt>
+                                        </p:tgtEl>
+                                        <p:attrNameLst>
+                                          <p:attrName>ppt_y</p:attrName>
+                                        </p:attrNameLst>
+                                      </p:cBhvr>
+                                      <p:tavLst>
+                                        <p:tav tm="0">
+                                          <p:val>
+                                            <p:strVal val="1+#ppt_h/2"/>
+                                          </p:val>
+                                        </p:tav>
+                                        <p:tav tm="100000">
+                                          <p:val>
+                                            <p:strVal val="#ppt_y"/>
+                                          </p:val>
+                                        </p:tav>
+                                      </p:tavLst>
+                                    </p:anim>
+                                  </p:childTnLst>
+                                </p:cTn>
+                              </p:par>
+                            </p:childTnLst>
+                          </p:cTn>
+                        </p:par>
+                      </p:childTnLst>
+                    </p:cTn>
+                  </p:par>
+                  <p:par>
+                    <p:cTn id="25" fill="hold">
+                      <p:stCondLst>
+                        <p:cond delay="indefinite"/>
+                      </p:stCondLst>
+                      <p:childTnLst>
+                        <p:par>
+                          <p:cTn id="26" fill="hold">
+                            <p:stCondLst>
+                              <p:cond delay="0"/>
+                            </p:stCondLst>
+                            <p:childTnLst>
+                              <p:par>
+                                <p:cTn id="27" presetID="2" presetClass="entr" presetSubtype="4" fill="hold" nodeType="clickEffect">
+                                  <p:stCondLst>
+                                    <p:cond delay="0"/>
+                                  </p:stCondLst>
+                                  <p:childTnLst>
+                                    <p:set>
+                                      <p:cBhvr>
+                                        <p:cTn id="28" dur="1" fill="hold">
+                                          <p:stCondLst>
+                                            <p:cond delay="0"/>
+                                          </p:stCondLst>
+                                        </p:cTn>
+                                        <p:tgtEl>
+                                          <p:spTgt spid="5">
+                                            <p:txEl>
+                                              <p:pRg st="4" end="4"/>
+                                            </p:txEl>
+                                          </p:spTgt>
+                                        </p:tgtEl>
+                                        <p:attrNameLst>
+                                          <p:attrName>style.visibility</p:attrName>
+                                        </p:attrNameLst>
+                                      </p:cBhvr>
+                                      <p:to>
+                                        <p:strVal val="visible"/>
+                                      </p:to>
+                                    </p:set>
+                                    <p:anim calcmode="lin" valueType="num">
+                                      <p:cBhvr additive="base">
+                                        <p:cTn id="29" dur="500" fill="hold"/>
+                                        <p:tgtEl>
+                                          <p:spTgt spid="5">
+                                            <p:txEl>
+                                              <p:pRg st="4" end="4"/>
+                                            </p:txEl>
+                                          </p:spTgt>
+                                        </p:tgtEl>
+                                        <p:attrNameLst>
+                                          <p:attrName>ppt_x</p:attrName>
+                                        </p:attrNameLst>
+                                      </p:cBhvr>
+                                      <p:tavLst>
+                                        <p:tav tm="0">
+                                          <p:val>
+                                            <p:strVal val="#ppt_x"/>
+                                          </p:val>
+                                        </p:tav>
+                                        <p:tav tm="100000">
+                                          <p:val>
+                                            <p:strVal val="#ppt_x"/>
+                                          </p:val>
+                                        </p:tav>
+                                      </p:tavLst>
+                                    </p:anim>
+                                    <p:anim calcmode="lin" valueType="num">
+                                      <p:cBhvr additive="base">
+                                        <p:cTn id="30" dur="500" fill="hold"/>
+                                        <p:tgtEl>
+                                          <p:spTgt spid="5">
+                                            <p:txEl>
+                                              <p:pRg st="4" end="4"/>
+                                            </p:txEl>
+                                          </p:spTgt>
+                                        </p:tgtEl>
+                                        <p:attrNameLst>
+                                          <p:attrName>ppt_y</p:attrName>
+                                        </p:attrNameLst>
+                                      </p:cBhvr>
+                                      <p:tavLst>
+                                        <p:tav tm="0">
+                                          <p:val>
+                                            <p:strVal val="1+#ppt_h/2"/>
+                                          </p:val>
+                                        </p:tav>
+                                        <p:tav tm="100000">
+                                          <p:val>
+                                            <p:strVal val="#ppt_y"/>
+                                          </p:val>
+                                        </p:tav>
+                                      </p:tavLst>
+                                    </p:anim>
+                                  </p:childTnLst>
+                                </p:cTn>
+                              </p:par>
+                              <p:par>
+                                <p:cTn id="31" presetID="2" presetClass="entr" presetSubtype="4" fill="hold" nodeType="withEffect">
+                                  <p:stCondLst>
+                                    <p:cond delay="0"/>
+                                  </p:stCondLst>
+                                  <p:childTnLst>
+                                    <p:set>
+                                      <p:cBhvr>
+                                        <p:cTn id="32" dur="1" fill="hold">
+                                          <p:stCondLst>
+                                            <p:cond delay="0"/>
+                                          </p:stCondLst>
+                                        </p:cTn>
+                                        <p:tgtEl>
+                                          <p:spTgt spid="5">
+                                            <p:txEl>
+                                              <p:pRg st="5" end="5"/>
+                                            </p:txEl>
+                                          </p:spTgt>
+                                        </p:tgtEl>
+                                        <p:attrNameLst>
+                                          <p:attrName>style.visibility</p:attrName>
+                                        </p:attrNameLst>
+                                      </p:cBhvr>
+                                      <p:to>
+                                        <p:strVal val="visible"/>
+                                      </p:to>
+                                    </p:set>
+                                    <p:anim calcmode="lin" valueType="num">
+                                      <p:cBhvr additive="base">
+                                        <p:cTn id="33" dur="500" fill="hold"/>
+                                        <p:tgtEl>
+                                          <p:spTgt spid="5">
+                                            <p:txEl>
+                                              <p:pRg st="5" end="5"/>
+                                            </p:txEl>
+                                          </p:spTgt>
+                                        </p:tgtEl>
+                                        <p:attrNameLst>
+                                          <p:attrName>ppt_x</p:attrName>
+                                        </p:attrNameLst>
+                                      </p:cBhvr>
+                                      <p:tavLst>
+                                        <p:tav tm="0">
+                                          <p:val>
+                                            <p:strVal val="#ppt_x"/>
+                                          </p:val>
+                                        </p:tav>
+                                        <p:tav tm="100000">
+                                          <p:val>
+                                            <p:strVal val="#ppt_x"/>
+                                          </p:val>
+                                        </p:tav>
+                                      </p:tavLst>
+                                    </p:anim>
+                                    <p:anim calcmode="lin" valueType="num">
+                                      <p:cBhvr additive="base">
+                                        <p:cTn id="34" dur="500" fill="hold"/>
+                                        <p:tgtEl>
+                                          <p:spTgt spid="5">
+                                            <p:txEl>
+                                              <p:pRg st="5" end="5"/>
+                                            </p:txEl>
+                                          </p:spTgt>
+                                        </p:tgtEl>
+                                        <p:attrNameLst>
+                                          <p:attrName>ppt_y</p:attrName>
+                                        </p:attrNameLst>
+                                      </p:cBhvr>
+                                      <p:tavLst>
+                                        <p:tav tm="0">
+                                          <p:val>
+                                            <p:strVal val="1+#ppt_h/2"/>
+                                          </p:val>
+                                        </p:tav>
+                                        <p:tav tm="100000">
+                                          <p:val>
+                                            <p:strVal val="#ppt_y"/>
+                                          </p:val>
+                                        </p:tav>
+                                      </p:tavLst>
+                                    </p:anim>
+                                  </p:childTnLst>
+                                </p:cTn>
+                              </p:par>
+                              <p:par>
+                                <p:cTn id="35" presetID="2" presetClass="entr" presetSubtype="4" fill="hold" nodeType="withEffect">
+                                  <p:stCondLst>
+                                    <p:cond delay="0"/>
+                                  </p:stCondLst>
+                                  <p:childTnLst>
+                                    <p:set>
+                                      <p:cBhvr>
+                                        <p:cTn id="36" dur="1" fill="hold">
+                                          <p:stCondLst>
+                                            <p:cond delay="0"/>
+                                          </p:stCondLst>
+                                        </p:cTn>
+                                        <p:tgtEl>
+                                          <p:spTgt spid="5">
+                                            <p:txEl>
+                                              <p:pRg st="6" end="6"/>
+                                            </p:txEl>
+                                          </p:spTgt>
+                                        </p:tgtEl>
+                                        <p:attrNameLst>
+                                          <p:attrName>style.visibility</p:attrName>
+                                        </p:attrNameLst>
+                                      </p:cBhvr>
+                                      <p:to>
+                                        <p:strVal val="visible"/>
+                                      </p:to>
+                                    </p:set>
+                                    <p:anim calcmode="lin" valueType="num">
+                                      <p:cBhvr additive="base">
+                                        <p:cTn id="37" dur="500" fill="hold"/>
+                                        <p:tgtEl>
+                                          <p:spTgt spid="5">
+                                            <p:txEl>
+                                              <p:pRg st="6" end="6"/>
+                                            </p:txEl>
+                                          </p:spTgt>
+                                        </p:tgtEl>
+                                        <p:attrNameLst>
+                                          <p:attrName>ppt_x</p:attrName>
+                                        </p:attrNameLst>
+                                      </p:cBhvr>
+                                      <p:tavLst>
+                                        <p:tav tm="0">
+                                          <p:val>
+                                            <p:strVal val="#ppt_x"/>
+                                          </p:val>
+                                        </p:tav>
+                                        <p:tav tm="100000">
+                                          <p:val>
+                                            <p:strVal val="#ppt_x"/>
+                                          </p:val>
+                                        </p:tav>
+                                      </p:tavLst>
+                                    </p:anim>
+                                    <p:anim calcmode="lin" valueType="num">
+                                      <p:cBhvr additive="base">
+                                        <p:cTn id="38" dur="500" fill="hold"/>
+                                        <p:tgtEl>
+                                          <p:spTgt spid="5">
+                                            <p:txEl>
+                                              <p:pRg st="6" end="6"/>
+                                            </p:txEl>
+                                          </p:spTgt>
+                                        </p:tgtEl>
+                                        <p:attrNameLst>
+                                          <p:attrName>ppt_y</p:attrName>
+                                        </p:attrNameLst>
+                                      </p:cBhvr>
+                                      <p:tavLst>
+                                        <p:tav tm="0">
+                                          <p:val>
+                                            <p:strVal val="1+#ppt_h/2"/>
+                                          </p:val>
+                                        </p:tav>
+                                        <p:tav tm="100000">
+                                          <p:val>
+                                            <p:strVal val="#ppt_y"/>
+                                          </p:val>
+                                        </p:tav>
+                                      </p:tavLst>
+                                    </p:anim>
+                                  </p:childTnLst>
+                                </p:cTn>
+                              </p:par>
+                              <p:par>
+                                <p:cTn id="39" presetID="2" presetClass="entr" presetSubtype="4" fill="hold" nodeType="withEffect">
+                                  <p:stCondLst>
+                                    <p:cond delay="0"/>
+                                  </p:stCondLst>
+                                  <p:childTnLst>
+                                    <p:set>
+                                      <p:cBhvr>
+                                        <p:cTn id="40" dur="1" fill="hold">
+                                          <p:stCondLst>
+                                            <p:cond delay="0"/>
+                                          </p:stCondLst>
+                                        </p:cTn>
+                                        <p:tgtEl>
+                                          <p:spTgt spid="5">
+                                            <p:txEl>
+                                              <p:pRg st="7" end="7"/>
+                                            </p:txEl>
+                                          </p:spTgt>
+                                        </p:tgtEl>
+                                        <p:attrNameLst>
+                                          <p:attrName>style.visibility</p:attrName>
+                                        </p:attrNameLst>
+                                      </p:cBhvr>
+                                      <p:to>
+                                        <p:strVal val="visible"/>
+                                      </p:to>
+                                    </p:set>
+                                    <p:anim calcmode="lin" valueType="num">
+                                      <p:cBhvr additive="base">
+                                        <p:cTn id="41" dur="500" fill="hold"/>
+                                        <p:tgtEl>
+                                          <p:spTgt spid="5">
+                                            <p:txEl>
+                                              <p:pRg st="7" end="7"/>
+                                            </p:txEl>
+                                          </p:spTgt>
+                                        </p:tgtEl>
+                                        <p:attrNameLst>
+                                          <p:attrName>ppt_x</p:attrName>
+                                        </p:attrNameLst>
+                                      </p:cBhvr>
+                                      <p:tavLst>
+                                        <p:tav tm="0">
+                                          <p:val>
+                                            <p:strVal val="#ppt_x"/>
+                                          </p:val>
+                                        </p:tav>
+                                        <p:tav tm="100000">
+                                          <p:val>
+                                            <p:strVal val="#ppt_x"/>
+                                          </p:val>
+                                        </p:tav>
+                                      </p:tavLst>
+                                    </p:anim>
+                                    <p:anim calcmode="lin" valueType="num">
+                                      <p:cBhvr additive="base">
+                                        <p:cTn id="42" dur="500" fill="hold"/>
+                                        <p:tgtEl>
+                                          <p:spTgt spid="5">
+                                            <p:txEl>
+                                              <p:pRg st="7" end="7"/>
+                                            </p:txEl>
+                                          </p:spTgt>
+                                        </p:tgtEl>
+                                        <p:attrNameLst>
+                                          <p:attrName>ppt_y</p:attrName>
+                                        </p:attrNameLst>
+                                      </p:cBhvr>
+                                      <p:tavLst>
+                                        <p:tav tm="0">
+                                          <p:val>
+                                            <p:strVal val="1+#ppt_h/2"/>
+                                          </p:val>
+                                        </p:tav>
+                                        <p:tav tm="100000">
+                                          <p:val>
+                                            <p:strVal val="#ppt_y"/>
+                                          </p:val>
+                                        </p:tav>
+                                      </p:tavLst>
+                                    </p:anim>
+                                  </p:childTnLst>
+                                </p:cTn>
+                              </p:par>
+                            </p:childTnLst>
+                          </p:cTn>
+                        </p:par>
+                      </p:childTnLst>
+                    </p:cTn>
+                  </p:par>
+                </p:childTnLst>
+              </p:cTn>
+              <p:prevCondLst>
+                <p:cond evt="onPrev" delay="0">
+                  <p:tgtEl>
+                    <p:sldTgt/>
+                  </p:tgtEl>
+                </p:cond>
+              </p:prevCondLst>
+              <p:nextCondLst>
+                <p:cond evt="onNext" delay="0">
+                  <p:tgtEl>
+                    <p:sldTgt/>
+                  </p:tgtEl>
+                </p:cond>
+              </p:nextCondLst>
+            </p:seq>
+          </p:childTnLst>
+        </p:cTn>
       </p:par>
     </p:tnLst>
   </p:timing>
@@ -5107,10 +7537,242 @@
   <p:clrMapOvr>
     <a:masterClrMapping/>
   </p:clrMapOvr>
+  <p:transition spd="med">
+    <p:pull/>
+  </p:transition>
   <p:timing>
     <p:tnLst>
       <p:par>
-        <p:cTn id="1" dur="indefinite" restart="never" nodeType="tmRoot"/>
+        <p:cTn id="1" dur="indefinite" restart="never" nodeType="tmRoot">
+          <p:childTnLst>
+            <p:seq concurrent="1" nextAc="seek">
+              <p:cTn id="2" dur="indefinite" nodeType="mainSeq">
+                <p:childTnLst>
+                  <p:par>
+                    <p:cTn id="3" fill="hold">
+                      <p:stCondLst>
+                        <p:cond delay="indefinite"/>
+                      </p:stCondLst>
+                      <p:childTnLst>
+                        <p:par>
+                          <p:cTn id="4" fill="hold">
+                            <p:stCondLst>
+                              <p:cond delay="0"/>
+                            </p:stCondLst>
+                            <p:childTnLst>
+                              <p:par>
+                                <p:cTn id="5" presetID="2" presetClass="entr" presetSubtype="4" fill="hold" nodeType="clickEffect">
+                                  <p:stCondLst>
+                                    <p:cond delay="0"/>
+                                  </p:stCondLst>
+                                  <p:childTnLst>
+                                    <p:set>
+                                      <p:cBhvr>
+                                        <p:cTn id="6" dur="1" fill="hold">
+                                          <p:stCondLst>
+                                            <p:cond delay="0"/>
+                                          </p:stCondLst>
+                                        </p:cTn>
+                                        <p:tgtEl>
+                                          <p:spTgt spid="3">
+                                            <p:txEl>
+                                              <p:pRg st="0" end="0"/>
+                                            </p:txEl>
+                                          </p:spTgt>
+                                        </p:tgtEl>
+                                        <p:attrNameLst>
+                                          <p:attrName>style.visibility</p:attrName>
+                                        </p:attrNameLst>
+                                      </p:cBhvr>
+                                      <p:to>
+                                        <p:strVal val="visible"/>
+                                      </p:to>
+                                    </p:set>
+                                    <p:anim calcmode="lin" valueType="num">
+                                      <p:cBhvr additive="base">
+                                        <p:cTn id="7" dur="500" fill="hold"/>
+                                        <p:tgtEl>
+                                          <p:spTgt spid="3">
+                                            <p:txEl>
+                                              <p:pRg st="0" end="0"/>
+                                            </p:txEl>
+                                          </p:spTgt>
+                                        </p:tgtEl>
+                                        <p:attrNameLst>
+                                          <p:attrName>ppt_x</p:attrName>
+                                        </p:attrNameLst>
+                                      </p:cBhvr>
+                                      <p:tavLst>
+                                        <p:tav tm="0">
+                                          <p:val>
+                                            <p:strVal val="#ppt_x"/>
+                                          </p:val>
+                                        </p:tav>
+                                        <p:tav tm="100000">
+                                          <p:val>
+                                            <p:strVal val="#ppt_x"/>
+                                          </p:val>
+                                        </p:tav>
+                                      </p:tavLst>
+                                    </p:anim>
+                                    <p:anim calcmode="lin" valueType="num">
+                                      <p:cBhvr additive="base">
+                                        <p:cTn id="8" dur="500" fill="hold"/>
+                                        <p:tgtEl>
+                                          <p:spTgt spid="3">
+                                            <p:txEl>
+                                              <p:pRg st="0" end="0"/>
+                                            </p:txEl>
+                                          </p:spTgt>
+                                        </p:tgtEl>
+                                        <p:attrNameLst>
+                                          <p:attrName>ppt_y</p:attrName>
+                                        </p:attrNameLst>
+                                      </p:cBhvr>
+                                      <p:tavLst>
+                                        <p:tav tm="0">
+                                          <p:val>
+                                            <p:strVal val="1+#ppt_h/2"/>
+                                          </p:val>
+                                        </p:tav>
+                                        <p:tav tm="100000">
+                                          <p:val>
+                                            <p:strVal val="#ppt_y"/>
+                                          </p:val>
+                                        </p:tav>
+                                      </p:tavLst>
+                                    </p:anim>
+                                  </p:childTnLst>
+                                </p:cTn>
+                              </p:par>
+                            </p:childTnLst>
+                          </p:cTn>
+                        </p:par>
+                      </p:childTnLst>
+                    </p:cTn>
+                  </p:par>
+                  <p:par>
+                    <p:cTn id="9" fill="hold">
+                      <p:stCondLst>
+                        <p:cond delay="indefinite"/>
+                      </p:stCondLst>
+                      <p:childTnLst>
+                        <p:par>
+                          <p:cTn id="10" fill="hold">
+                            <p:stCondLst>
+                              <p:cond delay="0"/>
+                            </p:stCondLst>
+                            <p:childTnLst>
+                              <p:par>
+                                <p:cTn id="11" presetID="2" presetClass="entr" presetSubtype="4" fill="hold" nodeType="clickEffect">
+                                  <p:stCondLst>
+                                    <p:cond delay="0"/>
+                                  </p:stCondLst>
+                                  <p:childTnLst>
+                                    <p:set>
+                                      <p:cBhvr>
+                                        <p:cTn id="12" dur="1" fill="hold">
+                                          <p:stCondLst>
+                                            <p:cond delay="0"/>
+                                          </p:stCondLst>
+                                        </p:cTn>
+                                        <p:tgtEl>
+                                          <p:spTgt spid="3">
+                                            <p:txEl>
+                                              <p:pRg st="1" end="1"/>
+                                            </p:txEl>
+                                          </p:spTgt>
+                                        </p:tgtEl>
+                                        <p:attrNameLst>
+                                          <p:attrName>style.visibility</p:attrName>
+                                        </p:attrNameLst>
+                                      </p:cBhvr>
+                                      <p:to>
+                                        <p:strVal val="visible"/>
+                                      </p:to>
+                                    </p:set>
+                                    <p:anim calcmode="lin" valueType="num">
+                                      <p:cBhvr additive="base">
+                                        <p:cTn id="13" dur="500" fill="hold"/>
+                                        <p:tgtEl>
+                                          <p:spTgt spid="3">
+                                            <p:txEl>
+                                              <p:pRg st="1" end="1"/>
+                                            </p:txEl>
+                                          </p:spTgt>
+                                        </p:tgtEl>
+                                        <p:attrNameLst>
+                                          <p:attrName>ppt_x</p:attrName>
+                                        </p:attrNameLst>
+                                      </p:cBhvr>
+                                      <p:tavLst>
+                                        <p:tav tm="0">
+                                          <p:val>
+                                            <p:strVal val="#ppt_x"/>
+                                          </p:val>
+                                        </p:tav>
+                                        <p:tav tm="100000">
+                                          <p:val>
+                                            <p:strVal val="#ppt_x"/>
+                                          </p:val>
+                                        </p:tav>
+                                      </p:tavLst>
+                                    </p:anim>
+                                    <p:anim calcmode="lin" valueType="num">
+                                      <p:cBhvr additive="base">
+                                        <p:cTn id="14" dur="500" fill="hold"/>
+                                        <p:tgtEl>
+                                          <p:spTgt spid="3">
+                                            <p:txEl>
+                                              <p:pRg st="1" end="1"/>
+                                            </p:txEl>
+                                          </p:spTgt>
+                                        </p:tgtEl>
+                                        <p:attrNameLst>
+                                          <p:attrName>ppt_y</p:attrName>
+                                        </p:attrNameLst>
+                                      </p:cBhvr>
+                                      <p:tavLst>
+                                        <p:tav tm="0">
+                                          <p:val>
+                                            <p:strVal val="1+#ppt_h/2"/>
+                                          </p:val>
+                                        </p:tav>
+                                        <p:tav tm="100000">
+                                          <p:val>
+                                            <p:strVal val="#ppt_y"/>
+                                          </p:val>
+                                        </p:tav>
+                                      </p:tavLst>
+                                    </p:anim>
+                                  </p:childTnLst>
+                                </p:cTn>
+                              </p:par>
+                            </p:childTnLst>
+                          </p:cTn>
+                        </p:par>
+                      </p:childTnLst>
+                    </p:cTn>
+                  </p:par>
+                </p:childTnLst>
+              </p:cTn>
+              <p:prevCondLst>
+                <p:cond evt="onPrev" delay="0">
+                  <p:tgtEl>
+                    <p:sldTgt/>
+                  </p:tgtEl>
+                </p:cond>
+              </p:prevCondLst>
+              <p:nextCondLst>
+                <p:cond evt="onNext" delay="0">
+                  <p:tgtEl>
+                    <p:sldTgt/>
+                  </p:tgtEl>
+                </p:cond>
+              </p:nextCondLst>
+            </p:seq>
+          </p:childTnLst>
+        </p:cTn>
       </p:par>
     </p:tnLst>
   </p:timing>
@@ -5400,6 +8062,9 @@
   <p:clrMapOvr>
     <a:masterClrMapping/>
   </p:clrMapOvr>
+  <p:transition spd="med">
+    <p:pull/>
+  </p:transition>
   <p:timing>
     <p:tnLst>
       <p:par>
@@ -5582,6 +8247,9 @@
   <p:clrMapOvr>
     <a:masterClrMapping/>
   </p:clrMapOvr>
+  <p:transition spd="med">
+    <p:pull/>
+  </p:transition>
   <p:timing>
     <p:tnLst>
       <p:par>
@@ -5642,6 +8310,9 @@
   <p:clrMapOvr>
     <a:masterClrMapping/>
   </p:clrMapOvr>
+  <p:transition spd="med">
+    <p:pull/>
+  </p:transition>
   <p:timing>
     <p:tnLst>
       <p:par>
